--- a/Presentation/ecac_presentation.pptx
+++ b/Presentation/ecac_presentation.pptx
@@ -5,10 +5,10 @@
     <p:sldMasterId id="2147483675" r:id="rId4"/>
   </p:sldMasterIdLst>
   <p:notesMasterIdLst>
-    <p:notesMasterId r:id="rId21"/>
+    <p:notesMasterId r:id="rId36"/>
   </p:notesMasterIdLst>
   <p:handoutMasterIdLst>
-    <p:handoutMasterId r:id="rId22"/>
+    <p:handoutMasterId r:id="rId37"/>
   </p:handoutMasterIdLst>
   <p:sldIdLst>
     <p:sldId id="256" r:id="rId5"/>
@@ -19,14 +19,29 @@
     <p:sldId id="294" r:id="rId10"/>
     <p:sldId id="296" r:id="rId11"/>
     <p:sldId id="290" r:id="rId12"/>
-    <p:sldId id="295" r:id="rId13"/>
-    <p:sldId id="297" r:id="rId14"/>
-    <p:sldId id="291" r:id="rId15"/>
-    <p:sldId id="298" r:id="rId16"/>
-    <p:sldId id="299" r:id="rId17"/>
-    <p:sldId id="300" r:id="rId18"/>
-    <p:sldId id="301" r:id="rId19"/>
-    <p:sldId id="302" r:id="rId20"/>
+    <p:sldId id="297" r:id="rId13"/>
+    <p:sldId id="291" r:id="rId14"/>
+    <p:sldId id="298" r:id="rId15"/>
+    <p:sldId id="299" r:id="rId16"/>
+    <p:sldId id="318" r:id="rId17"/>
+    <p:sldId id="303" r:id="rId18"/>
+    <p:sldId id="300" r:id="rId19"/>
+    <p:sldId id="304" r:id="rId20"/>
+    <p:sldId id="301" r:id="rId21"/>
+    <p:sldId id="306" r:id="rId22"/>
+    <p:sldId id="302" r:id="rId23"/>
+    <p:sldId id="307" r:id="rId24"/>
+    <p:sldId id="308" r:id="rId25"/>
+    <p:sldId id="309" r:id="rId26"/>
+    <p:sldId id="310" r:id="rId27"/>
+    <p:sldId id="313" r:id="rId28"/>
+    <p:sldId id="311" r:id="rId29"/>
+    <p:sldId id="312" r:id="rId30"/>
+    <p:sldId id="314" r:id="rId31"/>
+    <p:sldId id="315" r:id="rId32"/>
+    <p:sldId id="316" r:id="rId33"/>
+    <p:sldId id="317" r:id="rId34"/>
+    <p:sldId id="319" r:id="rId35"/>
   </p:sldIdLst>
   <p:sldSz cx="9144000" cy="6858000" type="screen4x3"/>
   <p:notesSz cx="7010400" cy="9296400"/>
@@ -3595,96 +3610,6 @@
           <a:p>
             <a:r>
               <a:rPr lang="en-US" dirty="0" smtClean="0"/>
-              <a:t>Age distribution</a:t>
-            </a:r>
-            <a:endParaRPr lang="en-US" dirty="0"/>
-          </a:p>
-        </p:txBody>
-      </p:sp>
-      <p:pic>
-        <p:nvPicPr>
-          <p:cNvPr id="4" name="Picture 3"/>
-          <p:cNvPicPr>
-            <a:picLocks noChangeAspect="1"/>
-          </p:cNvPicPr>
-          <p:nvPr/>
-        </p:nvPicPr>
-        <p:blipFill>
-          <a:blip r:embed="rId2">
-            <a:extLst>
-              <a:ext uri="{28A0092B-C50C-407E-A947-70E740481C1C}">
-                <a14:useLocalDpi xmlns:a14="http://schemas.microsoft.com/office/drawing/2010/main" val="0"/>
-              </a:ext>
-            </a:extLst>
-          </a:blip>
-          <a:stretch>
-            <a:fillRect/>
-          </a:stretch>
-        </p:blipFill>
-        <p:spPr>
-          <a:xfrm>
-            <a:off x="1252141" y="797744"/>
-            <a:ext cx="6596459" cy="5450656"/>
-          </a:xfrm>
-          <a:prstGeom prst="rect">
-            <a:avLst/>
-          </a:prstGeom>
-        </p:spPr>
-      </p:pic>
-    </p:spTree>
-    <p:extLst>
-      <p:ext uri="{BB962C8B-B14F-4D97-AF65-F5344CB8AC3E}">
-        <p14:creationId xmlns:p14="http://schemas.microsoft.com/office/powerpoint/2010/main" val="1761490125"/>
-      </p:ext>
-    </p:extLst>
-  </p:cSld>
-  <p:clrMapOvr>
-    <a:masterClrMapping/>
-  </p:clrMapOvr>
-  <p:timing>
-    <p:tnLst>
-      <p:par>
-        <p:cTn id="1" dur="indefinite" restart="never" nodeType="tmRoot"/>
-      </p:par>
-    </p:tnLst>
-  </p:timing>
-</p:sld>
-</file>
-
-<file path=ppt/slides/slide11.xml><?xml version="1.0" encoding="utf-8"?>
-<p:sld xmlns:a="http://schemas.openxmlformats.org/drawingml/2006/main" xmlns:r="http://schemas.openxmlformats.org/officeDocument/2006/relationships" xmlns:p="http://schemas.openxmlformats.org/presentationml/2006/main">
-  <p:cSld>
-    <p:spTree>
-      <p:nvGrpSpPr>
-        <p:cNvPr id="1" name=""/>
-        <p:cNvGrpSpPr/>
-        <p:nvPr/>
-      </p:nvGrpSpPr>
-      <p:grpSpPr>
-        <a:xfrm>
-          <a:off x="0" y="0"/>
-          <a:ext cx="0" cy="0"/>
-          <a:chOff x="0" y="0"/>
-          <a:chExt cx="0" cy="0"/>
-        </a:xfrm>
-      </p:grpSpPr>
-      <p:sp>
-        <p:nvSpPr>
-          <p:cNvPr id="2" name="Title 1"/>
-          <p:cNvSpPr>
-            <a:spLocks noGrp="1"/>
-          </p:cNvSpPr>
-          <p:nvPr>
-            <p:ph type="title"/>
-          </p:nvPr>
-        </p:nvSpPr>
-        <p:spPr/>
-        <p:txBody>
-          <a:bodyPr/>
-          <a:lstStyle/>
-          <a:p>
-            <a:r>
-              <a:rPr lang="en-US" dirty="0" smtClean="0"/>
               <a:t>Credit card type distribution</a:t>
             </a:r>
             <a:endParaRPr lang="en-US" dirty="0"/>
@@ -3741,7 +3666,7 @@
 </p:sld>
 </file>
 
-<file path=ppt/slides/slide12.xml><?xml version="1.0" encoding="utf-8"?>
+<file path=ppt/slides/slide11.xml><?xml version="1.0" encoding="utf-8"?>
 <p:sld xmlns:a="http://schemas.openxmlformats.org/drawingml/2006/main" xmlns:r="http://schemas.openxmlformats.org/officeDocument/2006/relationships" xmlns:p="http://schemas.openxmlformats.org/presentationml/2006/main">
   <p:cSld>
     <p:spTree>
@@ -3831,7 +3756,7 @@
 </p:sld>
 </file>
 
-<file path=ppt/slides/slide13.xml><?xml version="1.0" encoding="utf-8"?>
+<file path=ppt/slides/slide12.xml><?xml version="1.0" encoding="utf-8"?>
 <p:sld xmlns:a="http://schemas.openxmlformats.org/drawingml/2006/main" xmlns:r="http://schemas.openxmlformats.org/officeDocument/2006/relationships" xmlns:p="http://schemas.openxmlformats.org/presentationml/2006/main">
   <p:cSld>
     <p:spTree>
@@ -3921,6 +3846,131 @@
 </p:sld>
 </file>
 
+<file path=ppt/slides/slide13.xml><?xml version="1.0" encoding="utf-8"?>
+<p:sld xmlns:a="http://schemas.openxmlformats.org/drawingml/2006/main" xmlns:r="http://schemas.openxmlformats.org/officeDocument/2006/relationships" xmlns:p="http://schemas.openxmlformats.org/presentationml/2006/main">
+  <p:cSld>
+    <p:spTree>
+      <p:nvGrpSpPr>
+        <p:cNvPr id="1" name=""/>
+        <p:cNvGrpSpPr/>
+        <p:nvPr/>
+      </p:nvGrpSpPr>
+      <p:grpSpPr>
+        <a:xfrm>
+          <a:off x="0" y="0"/>
+          <a:ext cx="0" cy="0"/>
+          <a:chOff x="0" y="0"/>
+          <a:chExt cx="0" cy="0"/>
+        </a:xfrm>
+      </p:grpSpPr>
+      <p:sp>
+        <p:nvSpPr>
+          <p:cNvPr id="2" name="Title 1"/>
+          <p:cNvSpPr>
+            <a:spLocks noGrp="1"/>
+          </p:cNvSpPr>
+          <p:nvPr>
+            <p:ph type="title"/>
+          </p:nvPr>
+        </p:nvSpPr>
+        <p:spPr/>
+        <p:txBody>
+          <a:bodyPr/>
+          <a:lstStyle/>
+          <a:p>
+            <a:r>
+              <a:rPr lang="en-US" dirty="0" smtClean="0"/>
+              <a:t>Exploratory data analysis: conclusions</a:t>
+            </a:r>
+            <a:endParaRPr lang="en-US" dirty="0"/>
+          </a:p>
+        </p:txBody>
+      </p:sp>
+      <p:sp>
+        <p:nvSpPr>
+          <p:cNvPr id="3" name="Content Placeholder 2"/>
+          <p:cNvSpPr>
+            <a:spLocks noGrp="1"/>
+          </p:cNvSpPr>
+          <p:nvPr>
+            <p:ph idx="1"/>
+          </p:nvPr>
+        </p:nvSpPr>
+        <p:spPr/>
+        <p:txBody>
+          <a:bodyPr/>
+          <a:lstStyle/>
+          <a:p>
+            <a:r>
+              <a:rPr lang="en-US" dirty="0" smtClean="0"/>
+              <a:t>Most of the issued credit cards are </a:t>
+            </a:r>
+            <a:r>
+              <a:rPr lang="en-US" i="1" dirty="0" smtClean="0"/>
+              <a:t>classic </a:t>
+            </a:r>
+            <a:r>
+              <a:rPr lang="en-US" dirty="0" smtClean="0"/>
+              <a:t>(649). There are more </a:t>
+            </a:r>
+            <a:r>
+              <a:rPr lang="en-US" i="1" dirty="0" smtClean="0"/>
+              <a:t>junior </a:t>
+            </a:r>
+            <a:r>
+              <a:rPr lang="en-US" dirty="0" smtClean="0"/>
+              <a:t>cards (145) than </a:t>
+            </a:r>
+            <a:r>
+              <a:rPr lang="en-US" i="1" dirty="0" smtClean="0"/>
+              <a:t>gold</a:t>
+            </a:r>
+            <a:r>
+              <a:rPr lang="en-US" dirty="0" smtClean="0"/>
+              <a:t> cards (88).</a:t>
+            </a:r>
+          </a:p>
+          <a:p>
+            <a:r>
+              <a:rPr lang="en-US" i="1" dirty="0" smtClean="0"/>
+              <a:t>Good</a:t>
+            </a:r>
+            <a:r>
+              <a:rPr lang="en-US" dirty="0" smtClean="0"/>
+              <a:t> loans (A, B) tend to be of a lower amount and a shorter duration when compared to </a:t>
+            </a:r>
+            <a:r>
+              <a:rPr lang="en-US" i="1" dirty="0" smtClean="0"/>
+              <a:t>bad </a:t>
+            </a:r>
+            <a:r>
+              <a:rPr lang="en-US" dirty="0" smtClean="0"/>
+              <a:t>loans (C, D).</a:t>
+            </a:r>
+            <a:endParaRPr lang="en-US" i="1" dirty="0"/>
+          </a:p>
+        </p:txBody>
+      </p:sp>
+    </p:spTree>
+    <p:extLst>
+      <p:ext uri="{BB962C8B-B14F-4D97-AF65-F5344CB8AC3E}">
+        <p14:creationId xmlns:p14="http://schemas.microsoft.com/office/powerpoint/2010/main" val="1524382125"/>
+      </p:ext>
+    </p:extLst>
+  </p:cSld>
+  <p:clrMapOvr>
+    <a:masterClrMapping/>
+  </p:clrMapOvr>
+  <p:timing>
+    <p:tnLst>
+      <p:par>
+        <p:cTn id="1" dur="indefinite" restart="never" nodeType="tmRoot"/>
+      </p:par>
+    </p:tnLst>
+  </p:timing>
+</p:sld>
+</file>
+
 <file path=ppt/slides/slide14.xml><?xml version="1.0" encoding="utf-8"?>
 <p:sld xmlns:a="http://schemas.openxmlformats.org/drawingml/2006/main" xmlns:r="http://schemas.openxmlformats.org/officeDocument/2006/relationships" xmlns:p="http://schemas.openxmlformats.org/presentationml/2006/main">
   <p:cSld>
@@ -3955,7 +4005,153 @@
           <a:p>
             <a:r>
               <a:rPr lang="en-US" dirty="0" smtClean="0"/>
-              <a:t>Clustering</a:t>
+              <a:t>Clustering: Case 1</a:t>
+            </a:r>
+            <a:endParaRPr lang="en-US" dirty="0"/>
+          </a:p>
+        </p:txBody>
+      </p:sp>
+      <p:sp>
+        <p:nvSpPr>
+          <p:cNvPr id="3" name="Content Placeholder 2"/>
+          <p:cNvSpPr>
+            <a:spLocks noGrp="1"/>
+          </p:cNvSpPr>
+          <p:nvPr>
+            <p:ph idx="1"/>
+          </p:nvPr>
+        </p:nvSpPr>
+        <p:spPr/>
+        <p:txBody>
+          <a:bodyPr/>
+          <a:lstStyle/>
+          <a:p>
+            <a:r>
+              <a:rPr lang="en-US" dirty="0" smtClean="0"/>
+              <a:t>For the first clustering, the following attributes were </a:t>
+            </a:r>
+            <a:r>
+              <a:rPr lang="en-US" dirty="0" smtClean="0"/>
+              <a:t>pre-computed:</a:t>
+            </a:r>
+            <a:endParaRPr lang="en-US" dirty="0" smtClean="0"/>
+          </a:p>
+          <a:p>
+            <a:pPr lvl="1"/>
+            <a:r>
+              <a:rPr lang="en-US" dirty="0" smtClean="0"/>
+              <a:t>Amount: the total loan amount borrowed by each client;</a:t>
+            </a:r>
+          </a:p>
+          <a:p>
+            <a:pPr lvl="1"/>
+            <a:r>
+              <a:rPr lang="en-US" dirty="0" smtClean="0"/>
+              <a:t>Duration: the total loan duration by each client;</a:t>
+            </a:r>
+          </a:p>
+          <a:p>
+            <a:pPr lvl="1"/>
+            <a:r>
+              <a:rPr lang="en-US" dirty="0" smtClean="0"/>
+              <a:t>Payments: the monthly </a:t>
+            </a:r>
+            <a:r>
+              <a:rPr lang="en-US" dirty="0" smtClean="0"/>
+              <a:t>amount of </a:t>
+            </a:r>
+            <a:r>
+              <a:rPr lang="en-US" dirty="0" smtClean="0"/>
+              <a:t>loan </a:t>
+            </a:r>
+            <a:r>
+              <a:rPr lang="en-US" dirty="0" smtClean="0"/>
+              <a:t>payments made </a:t>
+            </a:r>
+            <a:r>
+              <a:rPr lang="en-US" dirty="0" smtClean="0"/>
+              <a:t>by each client;</a:t>
+            </a:r>
+          </a:p>
+          <a:p>
+            <a:pPr lvl="1"/>
+            <a:r>
+              <a:rPr lang="en-US" dirty="0" smtClean="0"/>
+              <a:t>Average Income: the monthly average income of each client;</a:t>
+            </a:r>
+          </a:p>
+          <a:p>
+            <a:pPr lvl="1"/>
+            <a:r>
+              <a:rPr lang="en-US" dirty="0" smtClean="0"/>
+              <a:t>Average Withdrawals: the monthly average withdrawals made by each client.</a:t>
+            </a:r>
+          </a:p>
+          <a:p>
+            <a:pPr lvl="1"/>
+            <a:endParaRPr lang="en-US" dirty="0" smtClean="0"/>
+          </a:p>
+          <a:p>
+            <a:pPr lvl="1"/>
+            <a:endParaRPr lang="en-US" dirty="0"/>
+          </a:p>
+        </p:txBody>
+      </p:sp>
+    </p:spTree>
+    <p:extLst>
+      <p:ext uri="{BB962C8B-B14F-4D97-AF65-F5344CB8AC3E}">
+        <p14:creationId xmlns:p14="http://schemas.microsoft.com/office/powerpoint/2010/main" val="1470402907"/>
+      </p:ext>
+    </p:extLst>
+  </p:cSld>
+  <p:clrMapOvr>
+    <a:masterClrMapping/>
+  </p:clrMapOvr>
+  <p:timing>
+    <p:tnLst>
+      <p:par>
+        <p:cTn id="1" dur="indefinite" restart="never" nodeType="tmRoot"/>
+      </p:par>
+    </p:tnLst>
+  </p:timing>
+</p:sld>
+</file>
+
+<file path=ppt/slides/slide15.xml><?xml version="1.0" encoding="utf-8"?>
+<p:sld xmlns:a="http://schemas.openxmlformats.org/drawingml/2006/main" xmlns:r="http://schemas.openxmlformats.org/officeDocument/2006/relationships" xmlns:p="http://schemas.openxmlformats.org/presentationml/2006/main">
+  <p:cSld>
+    <p:spTree>
+      <p:nvGrpSpPr>
+        <p:cNvPr id="1" name=""/>
+        <p:cNvGrpSpPr/>
+        <p:nvPr/>
+      </p:nvGrpSpPr>
+      <p:grpSpPr>
+        <a:xfrm>
+          <a:off x="0" y="0"/>
+          <a:ext cx="0" cy="0"/>
+          <a:chOff x="0" y="0"/>
+          <a:chExt cx="0" cy="0"/>
+        </a:xfrm>
+      </p:grpSpPr>
+      <p:sp>
+        <p:nvSpPr>
+          <p:cNvPr id="2" name="Title 1"/>
+          <p:cNvSpPr>
+            <a:spLocks noGrp="1"/>
+          </p:cNvSpPr>
+          <p:nvPr>
+            <p:ph type="title"/>
+          </p:nvPr>
+        </p:nvSpPr>
+        <p:spPr/>
+        <p:txBody>
+          <a:bodyPr/>
+          <a:lstStyle/>
+          <a:p>
+            <a:r>
+              <a:rPr lang="en-US" dirty="0" smtClean="0"/>
+              <a:t>Clustering: Case 1</a:t>
             </a:r>
             <a:endParaRPr lang="en-US" dirty="0"/>
           </a:p>
@@ -3983,7 +4179,7 @@
           <a:graphicData uri="http://schemas.openxmlformats.org/presentationml/2006/ole">
             <mc:AlternateContent xmlns:mc="http://schemas.openxmlformats.org/markup-compatibility/2006">
               <mc:Choice xmlns:v="urn:schemas-microsoft-com:vml" Requires="v">
-                <p:oleObj spid="_x0000_s1025" name="Worksheet" r:id="rId3" imgW="4610100" imgH="1231900" progId="Excel.Sheet.12">
+                <p:oleObj spid="_x0000_s1035" name="Worksheet" r:id="rId3" imgW="4610100" imgH="1231900" progId="Excel.Sheet.12">
                   <p:embed/>
                 </p:oleObj>
               </mc:Choice>
@@ -4028,10 +4224,17 @@
   <p:clrMapOvr>
     <a:masterClrMapping/>
   </p:clrMapOvr>
+  <p:timing>
+    <p:tnLst>
+      <p:par>
+        <p:cTn id="1" dur="indefinite" restart="never" nodeType="tmRoot"/>
+      </p:par>
+    </p:tnLst>
+  </p:timing>
 </p:sld>
 </file>
 
-<file path=ppt/slides/slide15.xml><?xml version="1.0" encoding="utf-8"?>
+<file path=ppt/slides/slide16.xml><?xml version="1.0" encoding="utf-8"?>
 <p:sld xmlns:a="http://schemas.openxmlformats.org/drawingml/2006/main" xmlns:r="http://schemas.openxmlformats.org/officeDocument/2006/relationships" xmlns:p="http://schemas.openxmlformats.org/presentationml/2006/main">
   <p:cSld>
     <p:spTree>
@@ -4065,7 +4268,109 @@
           <a:p>
             <a:r>
               <a:rPr lang="en-US" dirty="0" smtClean="0"/>
-              <a:t>Clustering</a:t>
+              <a:t>Clustering: Case 1</a:t>
+            </a:r>
+            <a:endParaRPr lang="en-US" dirty="0"/>
+          </a:p>
+        </p:txBody>
+      </p:sp>
+      <p:sp>
+        <p:nvSpPr>
+          <p:cNvPr id="3" name="Content Placeholder 2"/>
+          <p:cNvSpPr>
+            <a:spLocks noGrp="1"/>
+          </p:cNvSpPr>
+          <p:nvPr>
+            <p:ph idx="1"/>
+          </p:nvPr>
+        </p:nvSpPr>
+        <p:spPr/>
+        <p:txBody>
+          <a:bodyPr/>
+          <a:lstStyle/>
+          <a:p>
+            <a:r>
+              <a:rPr lang="en-US" dirty="0" smtClean="0"/>
+              <a:t>With this clustering process, the goal was to segment clients according to their assets and liabilities. </a:t>
+            </a:r>
+            <a:endParaRPr lang="en-US" dirty="0" smtClean="0"/>
+          </a:p>
+          <a:p>
+            <a:r>
+              <a:rPr lang="en-US" dirty="0" smtClean="0"/>
+              <a:t>The clients in the Cluster 1 have less purchase power when compared to clients belonging to Cluster 2 and 3.</a:t>
+            </a:r>
+          </a:p>
+          <a:p>
+            <a:endParaRPr lang="en-US" dirty="0" smtClean="0"/>
+          </a:p>
+          <a:p>
+            <a:endParaRPr lang="en-US" dirty="0" smtClean="0"/>
+          </a:p>
+          <a:p>
+            <a:endParaRPr lang="en-US" dirty="0" smtClean="0"/>
+          </a:p>
+          <a:p>
+            <a:pPr lvl="1"/>
+            <a:endParaRPr lang="en-US" dirty="0"/>
+          </a:p>
+        </p:txBody>
+      </p:sp>
+    </p:spTree>
+    <p:extLst>
+      <p:ext uri="{BB962C8B-B14F-4D97-AF65-F5344CB8AC3E}">
+        <p14:creationId xmlns:p14="http://schemas.microsoft.com/office/powerpoint/2010/main" val="1944721124"/>
+      </p:ext>
+    </p:extLst>
+  </p:cSld>
+  <p:clrMapOvr>
+    <a:masterClrMapping/>
+  </p:clrMapOvr>
+  <p:timing>
+    <p:tnLst>
+      <p:par>
+        <p:cTn id="1" dur="indefinite" restart="never" nodeType="tmRoot"/>
+      </p:par>
+    </p:tnLst>
+  </p:timing>
+</p:sld>
+</file>
+
+<file path=ppt/slides/slide17.xml><?xml version="1.0" encoding="utf-8"?>
+<p:sld xmlns:a="http://schemas.openxmlformats.org/drawingml/2006/main" xmlns:r="http://schemas.openxmlformats.org/officeDocument/2006/relationships" xmlns:p="http://schemas.openxmlformats.org/presentationml/2006/main">
+  <p:cSld>
+    <p:spTree>
+      <p:nvGrpSpPr>
+        <p:cNvPr id="1" name=""/>
+        <p:cNvGrpSpPr/>
+        <p:nvPr/>
+      </p:nvGrpSpPr>
+      <p:grpSpPr>
+        <a:xfrm>
+          <a:off x="0" y="0"/>
+          <a:ext cx="0" cy="0"/>
+          <a:chOff x="0" y="0"/>
+          <a:chExt cx="0" cy="0"/>
+        </a:xfrm>
+      </p:grpSpPr>
+      <p:sp>
+        <p:nvSpPr>
+          <p:cNvPr id="2" name="Title 1"/>
+          <p:cNvSpPr>
+            <a:spLocks noGrp="1"/>
+          </p:cNvSpPr>
+          <p:nvPr>
+            <p:ph type="title"/>
+          </p:nvPr>
+        </p:nvSpPr>
+        <p:spPr/>
+        <p:txBody>
+          <a:bodyPr/>
+          <a:lstStyle/>
+          <a:p>
+            <a:r>
+              <a:rPr lang="en-US" dirty="0" smtClean="0"/>
+              <a:t>Clustering: Case 2</a:t>
             </a:r>
             <a:endParaRPr lang="en-US" dirty="0"/>
           </a:p>
@@ -4080,14 +4385,14 @@
           <p:nvPr>
             <p:extLst>
               <p:ext uri="{D42A27DB-BD31-4B8C-83A1-F6EECF244321}">
-                <p14:modId xmlns:p14="http://schemas.microsoft.com/office/powerpoint/2010/main" val="1215685516"/>
+                <p14:modId xmlns:p14="http://schemas.microsoft.com/office/powerpoint/2010/main" val="592109107"/>
               </p:ext>
             </p:extLst>
           </p:nvPr>
         </p:nvGraphicFramePr>
         <p:xfrm>
           <a:off x="1104899" y="2362200"/>
-          <a:ext cx="6934202" cy="2108200"/>
+          <a:ext cx="6934202" cy="1844675"/>
         </p:xfrm>
         <a:graphic>
           <a:graphicData uri="http://schemas.openxmlformats.org/drawingml/2006/table">
@@ -4346,244 +4651,34 @@
                     <a:p>
                       <a:pPr algn="l" fontAlgn="b"/>
                       <a:r>
-                        <a:rPr lang="en-US" sz="1200" b="0" i="0" u="none" strike="noStrike">
+                        <a:rPr lang="en-US" sz="1200" b="0" i="0" u="none" strike="noStrike" dirty="0">
                           <a:solidFill>
                             <a:srgbClr val="000000"/>
                           </a:solidFill>
                           <a:effectLst/>
                           <a:latin typeface="Calibri" charset="0"/>
                         </a:rPr>
-                        <a:t>Age</a:t>
+                        <a:t>No. of </a:t>
                       </a:r>
-                    </a:p>
-                  </a:txBody>
-                  <a:tcPr marL="12700" marR="12700" marT="12700" marB="0" anchor="b">
-                    <a:lnL w="6350" cap="flat" cmpd="sng" algn="ctr">
-                      <a:solidFill>
-                        <a:srgbClr val="000000"/>
-                      </a:solidFill>
-                      <a:prstDash val="solid"/>
-                      <a:round/>
-                      <a:headEnd type="none" w="med" len="med"/>
-                      <a:tailEnd type="none" w="med" len="med"/>
-                    </a:lnL>
-                    <a:lnR w="6350" cap="flat" cmpd="sng" algn="ctr">
-                      <a:solidFill>
-                        <a:srgbClr val="000000"/>
-                      </a:solidFill>
-                      <a:prstDash val="solid"/>
-                      <a:round/>
-                      <a:headEnd type="none" w="med" len="med"/>
-                      <a:tailEnd type="none" w="med" len="med"/>
-                    </a:lnR>
-                    <a:lnT w="6350" cap="flat" cmpd="sng" algn="ctr">
-                      <a:solidFill>
-                        <a:srgbClr val="000000"/>
-                      </a:solidFill>
-                      <a:prstDash val="solid"/>
-                      <a:round/>
-                      <a:headEnd type="none" w="med" len="med"/>
-                      <a:tailEnd type="none" w="med" len="med"/>
-                    </a:lnT>
-                    <a:lnB w="6350" cap="flat" cmpd="sng" algn="ctr">
-                      <a:solidFill>
-                        <a:srgbClr val="000000"/>
-                      </a:solidFill>
-                      <a:prstDash val="solid"/>
-                      <a:round/>
-                      <a:headEnd type="none" w="med" len="med"/>
-                      <a:tailEnd type="none" w="med" len="med"/>
-                    </a:lnB>
-                  </a:tcPr>
-                </a:tc>
-                <a:tc>
-                  <a:txBody>
-                    <a:bodyPr/>
-                    <a:lstStyle/>
-                    <a:p>
-                      <a:pPr algn="r" fontAlgn="b"/>
                       <a:r>
-                        <a:rPr lang="en-US" sz="1200" b="0" i="0" u="none" strike="noStrike">
+                        <a:rPr lang="en-US" sz="1200" b="0" i="0" u="none" strike="noStrike" dirty="0" smtClean="0">
                           <a:solidFill>
                             <a:srgbClr val="000000"/>
                           </a:solidFill>
                           <a:effectLst/>
                           <a:latin typeface="Calibri" charset="0"/>
                         </a:rPr>
-                        <a:t>45,60</a:t>
+                        <a:t>entrepreneurs </a:t>
                       </a:r>
-                    </a:p>
-                  </a:txBody>
-                  <a:tcPr marL="12700" marR="12700" marT="12700" marB="0" anchor="b">
-                    <a:lnL w="6350" cap="flat" cmpd="sng" algn="ctr">
-                      <a:solidFill>
-                        <a:srgbClr val="000000"/>
-                      </a:solidFill>
-                      <a:prstDash val="solid"/>
-                      <a:round/>
-                      <a:headEnd type="none" w="med" len="med"/>
-                      <a:tailEnd type="none" w="med" len="med"/>
-                    </a:lnL>
-                    <a:lnR w="6350" cap="flat" cmpd="sng" algn="ctr">
-                      <a:solidFill>
-                        <a:srgbClr val="000000"/>
-                      </a:solidFill>
-                      <a:prstDash val="solid"/>
-                      <a:round/>
-                      <a:headEnd type="none" w="med" len="med"/>
-                      <a:tailEnd type="none" w="med" len="med"/>
-                    </a:lnR>
-                    <a:lnT w="6350" cap="flat" cmpd="sng" algn="ctr">
-                      <a:solidFill>
-                        <a:srgbClr val="000000"/>
-                      </a:solidFill>
-                      <a:prstDash val="solid"/>
-                      <a:round/>
-                      <a:headEnd type="none" w="med" len="med"/>
-                      <a:tailEnd type="none" w="med" len="med"/>
-                    </a:lnT>
-                    <a:lnB w="6350" cap="flat" cmpd="sng" algn="ctr">
-                      <a:solidFill>
-                        <a:srgbClr val="000000"/>
-                      </a:solidFill>
-                      <a:prstDash val="solid"/>
-                      <a:round/>
-                      <a:headEnd type="none" w="med" len="med"/>
-                      <a:tailEnd type="none" w="med" len="med"/>
-                    </a:lnB>
-                  </a:tcPr>
-                </a:tc>
-                <a:tc>
-                  <a:txBody>
-                    <a:bodyPr/>
-                    <a:lstStyle/>
-                    <a:p>
-                      <a:pPr algn="r" fontAlgn="b"/>
                       <a:r>
-                        <a:rPr lang="en-US" sz="1200" b="0" i="0" u="none" strike="noStrike">
+                        <a:rPr lang="en-US" sz="1200" b="0" i="0" u="none" strike="noStrike" dirty="0">
                           <a:solidFill>
                             <a:srgbClr val="000000"/>
                           </a:solidFill>
                           <a:effectLst/>
                           <a:latin typeface="Calibri" charset="0"/>
                         </a:rPr>
-                        <a:t>46,25</a:t>
-                      </a:r>
-                    </a:p>
-                  </a:txBody>
-                  <a:tcPr marL="12700" marR="12700" marT="12700" marB="0" anchor="b">
-                    <a:lnL w="6350" cap="flat" cmpd="sng" algn="ctr">
-                      <a:solidFill>
-                        <a:srgbClr val="000000"/>
-                      </a:solidFill>
-                      <a:prstDash val="solid"/>
-                      <a:round/>
-                      <a:headEnd type="none" w="med" len="med"/>
-                      <a:tailEnd type="none" w="med" len="med"/>
-                    </a:lnL>
-                    <a:lnR w="6350" cap="flat" cmpd="sng" algn="ctr">
-                      <a:solidFill>
-                        <a:srgbClr val="000000"/>
-                      </a:solidFill>
-                      <a:prstDash val="solid"/>
-                      <a:round/>
-                      <a:headEnd type="none" w="med" len="med"/>
-                      <a:tailEnd type="none" w="med" len="med"/>
-                    </a:lnR>
-                    <a:lnT w="6350" cap="flat" cmpd="sng" algn="ctr">
-                      <a:solidFill>
-                        <a:srgbClr val="000000"/>
-                      </a:solidFill>
-                      <a:prstDash val="solid"/>
-                      <a:round/>
-                      <a:headEnd type="none" w="med" len="med"/>
-                      <a:tailEnd type="none" w="med" len="med"/>
-                    </a:lnT>
-                    <a:lnB w="6350" cap="flat" cmpd="sng" algn="ctr">
-                      <a:solidFill>
-                        <a:srgbClr val="000000"/>
-                      </a:solidFill>
-                      <a:prstDash val="solid"/>
-                      <a:round/>
-                      <a:headEnd type="none" w="med" len="med"/>
-                      <a:tailEnd type="none" w="med" len="med"/>
-                    </a:lnB>
-                  </a:tcPr>
-                </a:tc>
-                <a:tc>
-                  <a:txBody>
-                    <a:bodyPr/>
-                    <a:lstStyle/>
-                    <a:p>
-                      <a:pPr algn="r" fontAlgn="b"/>
-                      <a:r>
-                        <a:rPr lang="en-US" sz="1200" b="0" i="0" u="none" strike="noStrike">
-                          <a:solidFill>
-                            <a:srgbClr val="000000"/>
-                          </a:solidFill>
-                          <a:effectLst/>
-                          <a:latin typeface="Calibri" charset="0"/>
-                        </a:rPr>
-                        <a:t>45,41</a:t>
-                      </a:r>
-                    </a:p>
-                  </a:txBody>
-                  <a:tcPr marL="12700" marR="12700" marT="12700" marB="0" anchor="b">
-                    <a:lnL w="6350" cap="flat" cmpd="sng" algn="ctr">
-                      <a:solidFill>
-                        <a:srgbClr val="000000"/>
-                      </a:solidFill>
-                      <a:prstDash val="solid"/>
-                      <a:round/>
-                      <a:headEnd type="none" w="med" len="med"/>
-                      <a:tailEnd type="none" w="med" len="med"/>
-                    </a:lnL>
-                    <a:lnR w="6350" cap="flat" cmpd="sng" algn="ctr">
-                      <a:solidFill>
-                        <a:srgbClr val="000000"/>
-                      </a:solidFill>
-                      <a:prstDash val="solid"/>
-                      <a:round/>
-                      <a:headEnd type="none" w="med" len="med"/>
-                      <a:tailEnd type="none" w="med" len="med"/>
-                    </a:lnR>
-                    <a:lnT w="6350" cap="flat" cmpd="sng" algn="ctr">
-                      <a:solidFill>
-                        <a:srgbClr val="000000"/>
-                      </a:solidFill>
-                      <a:prstDash val="solid"/>
-                      <a:round/>
-                      <a:headEnd type="none" w="med" len="med"/>
-                      <a:tailEnd type="none" w="med" len="med"/>
-                    </a:lnT>
-                    <a:lnB w="6350" cap="flat" cmpd="sng" algn="ctr">
-                      <a:solidFill>
-                        <a:srgbClr val="000000"/>
-                      </a:solidFill>
-                      <a:prstDash val="solid"/>
-                      <a:round/>
-                      <a:headEnd type="none" w="med" len="med"/>
-                      <a:tailEnd type="none" w="med" len="med"/>
-                    </a:lnB>
-                  </a:tcPr>
-                </a:tc>
-              </a:tr>
-              <a:tr h="263525">
-                <a:tc>
-                  <a:txBody>
-                    <a:bodyPr/>
-                    <a:lstStyle/>
-                    <a:p>
-                      <a:pPr algn="l" fontAlgn="b"/>
-                      <a:r>
-                        <a:rPr lang="en-US" sz="1200" b="0" i="0" u="none" strike="noStrike">
-                          <a:solidFill>
-                            <a:srgbClr val="000000"/>
-                          </a:solidFill>
-                          <a:effectLst/>
-                          <a:latin typeface="Calibri" charset="0"/>
-                        </a:rPr>
-                        <a:t>No. of enterpreneurs per 1000 inhabitants</a:t>
+                        <a:t>per 1000 inhabitants</a:t>
                       </a:r>
                     </a:p>
                   </a:txBody>
@@ -5266,7 +5361,7 @@
                     <a:p>
                       <a:pPr algn="l" fontAlgn="b"/>
                       <a:r>
-                        <a:rPr lang="en-US" sz="1200" b="0" i="0" u="none" strike="noStrike">
+                        <a:rPr lang="en-US" sz="1200" b="0" i="0" u="none" strike="noStrike" dirty="0">
                           <a:solidFill>
                             <a:srgbClr val="000000"/>
                           </a:solidFill>
@@ -5962,10 +6057,122 @@
   <p:clrMapOvr>
     <a:masterClrMapping/>
   </p:clrMapOvr>
+  <p:timing>
+    <p:tnLst>
+      <p:par>
+        <p:cTn id="1" dur="indefinite" restart="never" nodeType="tmRoot"/>
+      </p:par>
+    </p:tnLst>
+  </p:timing>
 </p:sld>
 </file>
 
-<file path=ppt/slides/slide16.xml><?xml version="1.0" encoding="utf-8"?>
+<file path=ppt/slides/slide18.xml><?xml version="1.0" encoding="utf-8"?>
+<p:sld xmlns:a="http://schemas.openxmlformats.org/drawingml/2006/main" xmlns:r="http://schemas.openxmlformats.org/officeDocument/2006/relationships" xmlns:p="http://schemas.openxmlformats.org/presentationml/2006/main">
+  <p:cSld>
+    <p:spTree>
+      <p:nvGrpSpPr>
+        <p:cNvPr id="1" name=""/>
+        <p:cNvGrpSpPr/>
+        <p:nvPr/>
+      </p:nvGrpSpPr>
+      <p:grpSpPr>
+        <a:xfrm>
+          <a:off x="0" y="0"/>
+          <a:ext cx="0" cy="0"/>
+          <a:chOff x="0" y="0"/>
+          <a:chExt cx="0" cy="0"/>
+        </a:xfrm>
+      </p:grpSpPr>
+      <p:sp>
+        <p:nvSpPr>
+          <p:cNvPr id="2" name="Title 1"/>
+          <p:cNvSpPr>
+            <a:spLocks noGrp="1"/>
+          </p:cNvSpPr>
+          <p:nvPr>
+            <p:ph type="title"/>
+          </p:nvPr>
+        </p:nvSpPr>
+        <p:spPr/>
+        <p:txBody>
+          <a:bodyPr/>
+          <a:lstStyle/>
+          <a:p>
+            <a:r>
+              <a:rPr lang="en-US" dirty="0" smtClean="0"/>
+              <a:t>Clustering: Case 2</a:t>
+            </a:r>
+            <a:endParaRPr lang="en-US" dirty="0"/>
+          </a:p>
+        </p:txBody>
+      </p:sp>
+      <p:sp>
+        <p:nvSpPr>
+          <p:cNvPr id="3" name="Content Placeholder 2"/>
+          <p:cNvSpPr>
+            <a:spLocks noGrp="1"/>
+          </p:cNvSpPr>
+          <p:nvPr>
+            <p:ph idx="1"/>
+          </p:nvPr>
+        </p:nvSpPr>
+        <p:spPr/>
+        <p:txBody>
+          <a:bodyPr/>
+          <a:lstStyle/>
+          <a:p>
+            <a:r>
+              <a:rPr lang="en-US" dirty="0" smtClean="0"/>
+              <a:t>With this clustering process, the goal was to segment clients according to geo-demographic data</a:t>
+            </a:r>
+            <a:r>
+              <a:rPr lang="en-US" dirty="0" smtClean="0"/>
+              <a:t>.</a:t>
+            </a:r>
+          </a:p>
+          <a:p>
+            <a:r>
+              <a:rPr lang="en-US" dirty="0" smtClean="0"/>
+              <a:t>Clients in Cluster 1 belong to an urban environment with an higher ratio of entrepreneurs.</a:t>
+            </a:r>
+          </a:p>
+          <a:p>
+            <a:r>
+              <a:rPr lang="en-US" dirty="0" smtClean="0"/>
+              <a:t>Clients in Cluster 3 live in a district with the smallest ratio of urban inhabitants.</a:t>
+            </a:r>
+          </a:p>
+          <a:p>
+            <a:endParaRPr lang="en-US" dirty="0" smtClean="0"/>
+          </a:p>
+          <a:p>
+            <a:pPr lvl="1"/>
+            <a:endParaRPr lang="en-US" dirty="0"/>
+          </a:p>
+        </p:txBody>
+      </p:sp>
+    </p:spTree>
+    <p:extLst>
+      <p:ext uri="{BB962C8B-B14F-4D97-AF65-F5344CB8AC3E}">
+        <p14:creationId xmlns:p14="http://schemas.microsoft.com/office/powerpoint/2010/main" val="594918271"/>
+      </p:ext>
+    </p:extLst>
+  </p:cSld>
+  <p:clrMapOvr>
+    <a:masterClrMapping/>
+  </p:clrMapOvr>
+  <p:timing>
+    <p:tnLst>
+      <p:par>
+        <p:cTn id="1" dur="indefinite" restart="never" nodeType="tmRoot"/>
+      </p:par>
+    </p:tnLst>
+  </p:timing>
+</p:sld>
+</file>
+
+<file path=ppt/slides/slide19.xml><?xml version="1.0" encoding="utf-8"?>
 <p:sld xmlns:a="http://schemas.openxmlformats.org/drawingml/2006/main" xmlns:r="http://schemas.openxmlformats.org/officeDocument/2006/relationships" xmlns:p="http://schemas.openxmlformats.org/presentationml/2006/main">
   <p:cSld>
     <p:spTree>
@@ -6034,6 +6241,13 @@
   <p:clrMapOvr>
     <a:masterClrMapping/>
   </p:clrMapOvr>
+  <p:timing>
+    <p:tnLst>
+      <p:par>
+        <p:cTn id="1" dur="indefinite" restart="never" nodeType="tmRoot"/>
+      </p:par>
+    </p:tnLst>
+  </p:timing>
 </p:sld>
 </file>
 
@@ -6171,6 +6385,1224 @@
     <p:extLst>
       <p:ext uri="{BB962C8B-B14F-4D97-AF65-F5344CB8AC3E}">
         <p14:creationId xmlns:p14="http://schemas.microsoft.com/office/powerpoint/2010/main" val="1236572262"/>
+      </p:ext>
+    </p:extLst>
+  </p:cSld>
+  <p:clrMapOvr>
+    <a:masterClrMapping/>
+  </p:clrMapOvr>
+  <p:timing>
+    <p:tnLst>
+      <p:par>
+        <p:cTn id="1" dur="indefinite" restart="never" nodeType="tmRoot"/>
+      </p:par>
+    </p:tnLst>
+  </p:timing>
+</p:sld>
+</file>
+
+<file path=ppt/slides/slide20.xml><?xml version="1.0" encoding="utf-8"?>
+<p:sld xmlns:a="http://schemas.openxmlformats.org/drawingml/2006/main" xmlns:r="http://schemas.openxmlformats.org/officeDocument/2006/relationships" xmlns:p="http://schemas.openxmlformats.org/presentationml/2006/main">
+  <p:cSld>
+    <p:spTree>
+      <p:nvGrpSpPr>
+        <p:cNvPr id="1" name=""/>
+        <p:cNvGrpSpPr/>
+        <p:nvPr/>
+      </p:nvGrpSpPr>
+      <p:grpSpPr>
+        <a:xfrm>
+          <a:off x="0" y="0"/>
+          <a:ext cx="0" cy="0"/>
+          <a:chOff x="0" y="0"/>
+          <a:chExt cx="0" cy="0"/>
+        </a:xfrm>
+      </p:grpSpPr>
+      <p:sp>
+        <p:nvSpPr>
+          <p:cNvPr id="4" name="Title 3"/>
+          <p:cNvSpPr>
+            <a:spLocks noGrp="1"/>
+          </p:cNvSpPr>
+          <p:nvPr>
+            <p:ph type="title"/>
+          </p:nvPr>
+        </p:nvSpPr>
+        <p:spPr/>
+        <p:txBody>
+          <a:bodyPr/>
+          <a:lstStyle/>
+          <a:p>
+            <a:r>
+              <a:rPr lang="en-US" dirty="0" smtClean="0"/>
+              <a:t>Predictive Data Analysis</a:t>
+            </a:r>
+            <a:endParaRPr lang="en-US" dirty="0"/>
+          </a:p>
+        </p:txBody>
+      </p:sp>
+      <p:sp>
+        <p:nvSpPr>
+          <p:cNvPr id="2" name="Content Placeholder 1"/>
+          <p:cNvSpPr>
+            <a:spLocks noGrp="1"/>
+          </p:cNvSpPr>
+          <p:nvPr>
+            <p:ph idx="1"/>
+          </p:nvPr>
+        </p:nvSpPr>
+        <p:spPr/>
+        <p:txBody>
+          <a:bodyPr/>
+          <a:lstStyle/>
+          <a:p>
+            <a:r>
+              <a:rPr lang="en-US" dirty="0" smtClean="0"/>
+              <a:t>The loans dataset is relatively small: </a:t>
+            </a:r>
+            <a:r>
+              <a:rPr lang="en-US" dirty="0" smtClean="0">
+                <a:solidFill>
+                  <a:schemeClr val="tx2"/>
+                </a:solidFill>
+              </a:rPr>
+              <a:t>682</a:t>
+            </a:r>
+            <a:r>
+              <a:rPr lang="en-US" dirty="0" smtClean="0"/>
+              <a:t> loans in </a:t>
+            </a:r>
+            <a:r>
+              <a:rPr lang="en-US" dirty="0" smtClean="0">
+                <a:solidFill>
+                  <a:schemeClr val="tx2"/>
+                </a:solidFill>
+              </a:rPr>
+              <a:t>total</a:t>
+            </a:r>
+            <a:r>
+              <a:rPr lang="en-US" dirty="0" smtClean="0"/>
+              <a:t>.</a:t>
+            </a:r>
+          </a:p>
+          <a:p>
+            <a:r>
+              <a:rPr lang="en-US" dirty="0" smtClean="0"/>
+              <a:t>The status distribution of the loans is uneven: </a:t>
+            </a:r>
+            <a:r>
+              <a:rPr lang="en-US" dirty="0" smtClean="0">
+                <a:solidFill>
+                  <a:schemeClr val="tx2"/>
+                </a:solidFill>
+              </a:rPr>
+              <a:t>606</a:t>
+            </a:r>
+            <a:r>
+              <a:rPr lang="en-US" dirty="0" smtClean="0"/>
+              <a:t> </a:t>
+            </a:r>
+            <a:r>
+              <a:rPr lang="en-US" dirty="0" smtClean="0">
+                <a:solidFill>
+                  <a:schemeClr val="tx2"/>
+                </a:solidFill>
+              </a:rPr>
+              <a:t>loans</a:t>
+            </a:r>
+            <a:r>
+              <a:rPr lang="en-US" dirty="0" smtClean="0"/>
+              <a:t> are </a:t>
+            </a:r>
+            <a:r>
+              <a:rPr lang="en-US" i="1" dirty="0" smtClean="0">
+                <a:solidFill>
+                  <a:schemeClr val="tx2"/>
+                </a:solidFill>
+              </a:rPr>
+              <a:t>good</a:t>
+            </a:r>
+            <a:r>
+              <a:rPr lang="en-US" dirty="0" smtClean="0"/>
+              <a:t>, while only </a:t>
+            </a:r>
+            <a:r>
+              <a:rPr lang="en-US" dirty="0" smtClean="0">
+                <a:solidFill>
+                  <a:schemeClr val="tx2"/>
+                </a:solidFill>
+              </a:rPr>
+              <a:t>76 loans </a:t>
+            </a:r>
+            <a:r>
+              <a:rPr lang="en-US" dirty="0" smtClean="0"/>
+              <a:t>are </a:t>
+            </a:r>
+            <a:r>
+              <a:rPr lang="en-US" i="1" dirty="0" smtClean="0">
+                <a:solidFill>
+                  <a:schemeClr val="tx2"/>
+                </a:solidFill>
+              </a:rPr>
+              <a:t>bad</a:t>
+            </a:r>
+            <a:r>
+              <a:rPr lang="en-US" dirty="0" smtClean="0"/>
+              <a:t>.</a:t>
+            </a:r>
+          </a:p>
+          <a:p>
+            <a:r>
+              <a:rPr lang="en-US" dirty="0" smtClean="0"/>
+              <a:t>These factors make the prediction of </a:t>
+            </a:r>
+            <a:r>
+              <a:rPr lang="en-US" i="1" dirty="0" smtClean="0"/>
+              <a:t>bad </a:t>
+            </a:r>
+            <a:r>
+              <a:rPr lang="en-US" dirty="0" smtClean="0"/>
+              <a:t>loans more difficult, no matter what classification algorithm is used.</a:t>
+            </a:r>
+            <a:endParaRPr lang="en-US" dirty="0"/>
+          </a:p>
+        </p:txBody>
+      </p:sp>
+    </p:spTree>
+    <p:extLst>
+      <p:ext uri="{BB962C8B-B14F-4D97-AF65-F5344CB8AC3E}">
+        <p14:creationId xmlns:p14="http://schemas.microsoft.com/office/powerpoint/2010/main" val="1890980316"/>
+      </p:ext>
+    </p:extLst>
+  </p:cSld>
+  <p:clrMapOvr>
+    <a:masterClrMapping/>
+  </p:clrMapOvr>
+  <p:timing>
+    <p:tnLst>
+      <p:par>
+        <p:cTn id="1" dur="indefinite" restart="never" nodeType="tmRoot"/>
+      </p:par>
+    </p:tnLst>
+  </p:timing>
+</p:sld>
+</file>
+
+<file path=ppt/slides/slide21.xml><?xml version="1.0" encoding="utf-8"?>
+<p:sld xmlns:a="http://schemas.openxmlformats.org/drawingml/2006/main" xmlns:r="http://schemas.openxmlformats.org/officeDocument/2006/relationships" xmlns:p="http://schemas.openxmlformats.org/presentationml/2006/main">
+  <p:cSld>
+    <p:spTree>
+      <p:nvGrpSpPr>
+        <p:cNvPr id="1" name=""/>
+        <p:cNvGrpSpPr/>
+        <p:nvPr/>
+      </p:nvGrpSpPr>
+      <p:grpSpPr>
+        <a:xfrm>
+          <a:off x="0" y="0"/>
+          <a:ext cx="0" cy="0"/>
+          <a:chOff x="0" y="0"/>
+          <a:chExt cx="0" cy="0"/>
+        </a:xfrm>
+      </p:grpSpPr>
+      <p:sp>
+        <p:nvSpPr>
+          <p:cNvPr id="2" name="Title 1"/>
+          <p:cNvSpPr>
+            <a:spLocks noGrp="1"/>
+          </p:cNvSpPr>
+          <p:nvPr>
+            <p:ph type="title"/>
+          </p:nvPr>
+        </p:nvSpPr>
+        <p:spPr/>
+        <p:txBody>
+          <a:bodyPr/>
+          <a:lstStyle/>
+          <a:p>
+            <a:r>
+              <a:rPr lang="en-US" dirty="0" smtClean="0"/>
+              <a:t>Classification algorithms</a:t>
+            </a:r>
+            <a:endParaRPr lang="en-US" dirty="0"/>
+          </a:p>
+        </p:txBody>
+      </p:sp>
+      <p:sp>
+        <p:nvSpPr>
+          <p:cNvPr id="3" name="Content Placeholder 2"/>
+          <p:cNvSpPr>
+            <a:spLocks noGrp="1"/>
+          </p:cNvSpPr>
+          <p:nvPr>
+            <p:ph idx="1"/>
+          </p:nvPr>
+        </p:nvSpPr>
+        <p:spPr/>
+        <p:txBody>
+          <a:bodyPr/>
+          <a:lstStyle/>
+          <a:p>
+            <a:r>
+              <a:rPr lang="en-US" dirty="0" smtClean="0"/>
+              <a:t>For the predictive analysis task, two algorithms were used:</a:t>
+            </a:r>
+          </a:p>
+          <a:p>
+            <a:pPr lvl="1"/>
+            <a:r>
+              <a:rPr lang="en-US" dirty="0" smtClean="0"/>
+              <a:t>Decision trees;</a:t>
+            </a:r>
+          </a:p>
+          <a:p>
+            <a:pPr lvl="1"/>
+            <a:r>
+              <a:rPr lang="en-US" dirty="0" smtClean="0"/>
+              <a:t>Naïve </a:t>
+            </a:r>
+            <a:r>
+              <a:rPr lang="en-US" dirty="0" err="1" smtClean="0"/>
+              <a:t>bayes</a:t>
+            </a:r>
+            <a:r>
+              <a:rPr lang="en-US" dirty="0"/>
+              <a:t>.</a:t>
+            </a:r>
+          </a:p>
+        </p:txBody>
+      </p:sp>
+    </p:spTree>
+    <p:extLst>
+      <p:ext uri="{BB962C8B-B14F-4D97-AF65-F5344CB8AC3E}">
+        <p14:creationId xmlns:p14="http://schemas.microsoft.com/office/powerpoint/2010/main" val="629965087"/>
+      </p:ext>
+    </p:extLst>
+  </p:cSld>
+  <p:clrMapOvr>
+    <a:masterClrMapping/>
+  </p:clrMapOvr>
+  <p:timing>
+    <p:tnLst>
+      <p:par>
+        <p:cTn id="1" dur="indefinite" restart="never" nodeType="tmRoot"/>
+      </p:par>
+    </p:tnLst>
+  </p:timing>
+</p:sld>
+</file>
+
+<file path=ppt/slides/slide22.xml><?xml version="1.0" encoding="utf-8"?>
+<p:sld xmlns:a="http://schemas.openxmlformats.org/drawingml/2006/main" xmlns:r="http://schemas.openxmlformats.org/officeDocument/2006/relationships" xmlns:p="http://schemas.openxmlformats.org/presentationml/2006/main">
+  <p:cSld>
+    <p:spTree>
+      <p:nvGrpSpPr>
+        <p:cNvPr id="1" name=""/>
+        <p:cNvGrpSpPr/>
+        <p:nvPr/>
+      </p:nvGrpSpPr>
+      <p:grpSpPr>
+        <a:xfrm>
+          <a:off x="0" y="0"/>
+          <a:ext cx="0" cy="0"/>
+          <a:chOff x="0" y="0"/>
+          <a:chExt cx="0" cy="0"/>
+        </a:xfrm>
+      </p:grpSpPr>
+      <p:sp>
+        <p:nvSpPr>
+          <p:cNvPr id="2" name="Title 1"/>
+          <p:cNvSpPr>
+            <a:spLocks noGrp="1"/>
+          </p:cNvSpPr>
+          <p:nvPr>
+            <p:ph type="title"/>
+          </p:nvPr>
+        </p:nvSpPr>
+        <p:spPr/>
+        <p:txBody>
+          <a:bodyPr/>
+          <a:lstStyle/>
+          <a:p>
+            <a:r>
+              <a:rPr lang="en-US" dirty="0" smtClean="0"/>
+              <a:t>Decision Tree</a:t>
+            </a:r>
+            <a:endParaRPr lang="en-US" dirty="0"/>
+          </a:p>
+        </p:txBody>
+      </p:sp>
+      <p:sp>
+        <p:nvSpPr>
+          <p:cNvPr id="3" name="Content Placeholder 2"/>
+          <p:cNvSpPr>
+            <a:spLocks noGrp="1"/>
+          </p:cNvSpPr>
+          <p:nvPr>
+            <p:ph idx="1"/>
+          </p:nvPr>
+        </p:nvSpPr>
+        <p:spPr/>
+        <p:txBody>
+          <a:bodyPr/>
+          <a:lstStyle/>
+          <a:p>
+            <a:r>
+              <a:rPr lang="en-US" dirty="0" smtClean="0"/>
+              <a:t>Given the small dataset, there is a great danger of </a:t>
+            </a:r>
+            <a:r>
+              <a:rPr lang="en-US" dirty="0" err="1" smtClean="0"/>
+              <a:t>overfitting</a:t>
+            </a:r>
+            <a:r>
+              <a:rPr lang="en-US" dirty="0" smtClean="0"/>
+              <a:t> the data.</a:t>
+            </a:r>
+          </a:p>
+          <a:p>
+            <a:r>
+              <a:rPr lang="en-US" dirty="0" smtClean="0"/>
+              <a:t>In order to mitigate the risk, the decision tree was pre-pruned, thus reducing the complexity of the final classifier.</a:t>
+            </a:r>
+          </a:p>
+        </p:txBody>
+      </p:sp>
+    </p:spTree>
+    <p:extLst>
+      <p:ext uri="{BB962C8B-B14F-4D97-AF65-F5344CB8AC3E}">
+        <p14:creationId xmlns:p14="http://schemas.microsoft.com/office/powerpoint/2010/main" val="652117702"/>
+      </p:ext>
+    </p:extLst>
+  </p:cSld>
+  <p:clrMapOvr>
+    <a:masterClrMapping/>
+  </p:clrMapOvr>
+  <p:timing>
+    <p:tnLst>
+      <p:par>
+        <p:cTn id="1" dur="indefinite" restart="never" nodeType="tmRoot"/>
+      </p:par>
+    </p:tnLst>
+  </p:timing>
+</p:sld>
+</file>
+
+<file path=ppt/slides/slide23.xml><?xml version="1.0" encoding="utf-8"?>
+<p:sld xmlns:a="http://schemas.openxmlformats.org/drawingml/2006/main" xmlns:r="http://schemas.openxmlformats.org/officeDocument/2006/relationships" xmlns:p="http://schemas.openxmlformats.org/presentationml/2006/main">
+  <p:cSld>
+    <p:spTree>
+      <p:nvGrpSpPr>
+        <p:cNvPr id="1" name=""/>
+        <p:cNvGrpSpPr/>
+        <p:nvPr/>
+      </p:nvGrpSpPr>
+      <p:grpSpPr>
+        <a:xfrm>
+          <a:off x="0" y="0"/>
+          <a:ext cx="0" cy="0"/>
+          <a:chOff x="0" y="0"/>
+          <a:chExt cx="0" cy="0"/>
+        </a:xfrm>
+      </p:grpSpPr>
+      <p:sp>
+        <p:nvSpPr>
+          <p:cNvPr id="2" name="Title 1"/>
+          <p:cNvSpPr>
+            <a:spLocks noGrp="1"/>
+          </p:cNvSpPr>
+          <p:nvPr>
+            <p:ph type="title"/>
+          </p:nvPr>
+        </p:nvSpPr>
+        <p:spPr/>
+        <p:txBody>
+          <a:bodyPr/>
+          <a:lstStyle/>
+          <a:p>
+            <a:r>
+              <a:rPr lang="en-US" dirty="0" smtClean="0"/>
+              <a:t>Decision Tree</a:t>
+            </a:r>
+            <a:endParaRPr lang="en-US" dirty="0"/>
+          </a:p>
+        </p:txBody>
+      </p:sp>
+      <p:sp>
+        <p:nvSpPr>
+          <p:cNvPr id="3" name="Content Placeholder 2"/>
+          <p:cNvSpPr>
+            <a:spLocks noGrp="1"/>
+          </p:cNvSpPr>
+          <p:nvPr>
+            <p:ph idx="1"/>
+          </p:nvPr>
+        </p:nvSpPr>
+        <p:spPr/>
+        <p:txBody>
+          <a:bodyPr/>
+          <a:lstStyle/>
+          <a:p>
+            <a:r>
+              <a:rPr lang="en-US" dirty="0" smtClean="0"/>
+              <a:t>In </a:t>
+            </a:r>
+            <a:r>
+              <a:rPr lang="en-US" dirty="0" err="1" smtClean="0"/>
+              <a:t>RapidMiner</a:t>
+            </a:r>
+            <a:r>
+              <a:rPr lang="en-US" dirty="0" smtClean="0"/>
+              <a:t>:</a:t>
+            </a:r>
+            <a:endParaRPr lang="en-US" dirty="0"/>
+          </a:p>
+          <a:p>
+            <a:pPr lvl="1"/>
+            <a:r>
+              <a:rPr lang="en-US" dirty="0" smtClean="0"/>
+              <a:t>The data was split using the split validation operator: 70% for training and 30% for testing.</a:t>
+            </a:r>
+          </a:p>
+          <a:p>
+            <a:pPr lvl="1"/>
+            <a:r>
+              <a:rPr lang="en-US" dirty="0" smtClean="0"/>
+              <a:t>The decision tree operator was used:</a:t>
+            </a:r>
+          </a:p>
+          <a:p>
+            <a:pPr lvl="2"/>
+            <a:r>
+              <a:rPr lang="en-US" dirty="0"/>
+              <a:t>Criterion: </a:t>
+            </a:r>
+            <a:r>
+              <a:rPr lang="en-US" i="1" dirty="0" err="1" smtClean="0"/>
+              <a:t>information_gain</a:t>
+            </a:r>
+            <a:r>
+              <a:rPr lang="en-US" i="1" dirty="0"/>
+              <a:t>;</a:t>
+            </a:r>
+            <a:endParaRPr lang="en-US" dirty="0" smtClean="0"/>
+          </a:p>
+          <a:p>
+            <a:pPr lvl="2"/>
+            <a:r>
+              <a:rPr lang="en-US" dirty="0" smtClean="0"/>
+              <a:t>Level of confidence set to 25%;</a:t>
+            </a:r>
+          </a:p>
+          <a:p>
+            <a:pPr lvl="2"/>
+            <a:r>
+              <a:rPr lang="en-US" dirty="0" smtClean="0"/>
+              <a:t>Applying pruning and </a:t>
+            </a:r>
+            <a:r>
+              <a:rPr lang="en-US" dirty="0" err="1" smtClean="0"/>
+              <a:t>prepruning</a:t>
+            </a:r>
+            <a:r>
+              <a:rPr lang="en-US" dirty="0" smtClean="0"/>
+              <a:t>;</a:t>
+            </a:r>
+          </a:p>
+          <a:p>
+            <a:pPr lvl="2"/>
+            <a:r>
+              <a:rPr lang="en-US" dirty="0" smtClean="0"/>
+              <a:t>Minimal gain set to 4%;</a:t>
+            </a:r>
+          </a:p>
+          <a:p>
+            <a:pPr lvl="2"/>
+            <a:r>
+              <a:rPr lang="en-US" dirty="0" smtClean="0"/>
+              <a:t>Maximal depth set to 6.</a:t>
+            </a:r>
+          </a:p>
+        </p:txBody>
+      </p:sp>
+    </p:spTree>
+    <p:extLst>
+      <p:ext uri="{BB962C8B-B14F-4D97-AF65-F5344CB8AC3E}">
+        <p14:creationId xmlns:p14="http://schemas.microsoft.com/office/powerpoint/2010/main" val="1631348375"/>
+      </p:ext>
+    </p:extLst>
+  </p:cSld>
+  <p:clrMapOvr>
+    <a:masterClrMapping/>
+  </p:clrMapOvr>
+  <p:timing>
+    <p:tnLst>
+      <p:par>
+        <p:cTn id="1" dur="indefinite" restart="never" nodeType="tmRoot"/>
+      </p:par>
+    </p:tnLst>
+  </p:timing>
+</p:sld>
+</file>
+
+<file path=ppt/slides/slide24.xml><?xml version="1.0" encoding="utf-8"?>
+<p:sld xmlns:a="http://schemas.openxmlformats.org/drawingml/2006/main" xmlns:r="http://schemas.openxmlformats.org/officeDocument/2006/relationships" xmlns:p="http://schemas.openxmlformats.org/presentationml/2006/main">
+  <p:cSld>
+    <p:spTree>
+      <p:nvGrpSpPr>
+        <p:cNvPr id="1" name=""/>
+        <p:cNvGrpSpPr/>
+        <p:nvPr/>
+      </p:nvGrpSpPr>
+      <p:grpSpPr>
+        <a:xfrm>
+          <a:off x="0" y="0"/>
+          <a:ext cx="0" cy="0"/>
+          <a:chOff x="0" y="0"/>
+          <a:chExt cx="0" cy="0"/>
+        </a:xfrm>
+      </p:grpSpPr>
+      <p:sp>
+        <p:nvSpPr>
+          <p:cNvPr id="2" name="Title 1"/>
+          <p:cNvSpPr>
+            <a:spLocks noGrp="1"/>
+          </p:cNvSpPr>
+          <p:nvPr>
+            <p:ph type="title"/>
+          </p:nvPr>
+        </p:nvSpPr>
+        <p:spPr/>
+        <p:txBody>
+          <a:bodyPr/>
+          <a:lstStyle/>
+          <a:p>
+            <a:r>
+              <a:rPr lang="en-US" dirty="0" smtClean="0"/>
+              <a:t>Decision Tree model</a:t>
+            </a:r>
+            <a:endParaRPr lang="en-US" dirty="0"/>
+          </a:p>
+        </p:txBody>
+      </p:sp>
+      <p:sp>
+        <p:nvSpPr>
+          <p:cNvPr id="3" name="Content Placeholder 2"/>
+          <p:cNvSpPr>
+            <a:spLocks noGrp="1"/>
+          </p:cNvSpPr>
+          <p:nvPr>
+            <p:ph idx="1"/>
+          </p:nvPr>
+        </p:nvSpPr>
+        <p:spPr/>
+        <p:txBody>
+          <a:bodyPr/>
+          <a:lstStyle/>
+          <a:p>
+            <a:r>
+              <a:rPr lang="en-US" dirty="0" smtClean="0"/>
+              <a:t>The following relations were joined: Client, Account, Loan, Disposition and Transactions.</a:t>
+            </a:r>
+            <a:endParaRPr lang="en-US" dirty="0"/>
+          </a:p>
+          <a:p>
+            <a:r>
+              <a:rPr lang="en-US" dirty="0" smtClean="0"/>
+              <a:t>For this classification, several attributes were pre-computed:</a:t>
+            </a:r>
+          </a:p>
+          <a:p>
+            <a:pPr lvl="1"/>
+            <a:r>
+              <a:rPr lang="en-US" dirty="0"/>
+              <a:t>Average(ratio): Average debt-to-income ratio of the client.</a:t>
+            </a:r>
+          </a:p>
+          <a:p>
+            <a:pPr lvl="1"/>
+            <a:r>
+              <a:rPr lang="en-US" dirty="0" smtClean="0"/>
+              <a:t>Count(</a:t>
+            </a:r>
+            <a:r>
+              <a:rPr lang="en-US" dirty="0" err="1" smtClean="0"/>
+              <a:t>sanction_date</a:t>
+            </a:r>
+            <a:r>
+              <a:rPr lang="en-US" dirty="0"/>
+              <a:t>): Number of sanctions that the client is responsible for. A sanction occurs when the client’s bank account balance reaches negative values</a:t>
+            </a:r>
+            <a:r>
+              <a:rPr lang="en-US" dirty="0" smtClean="0"/>
+              <a:t>.</a:t>
+            </a:r>
+          </a:p>
+          <a:p>
+            <a:pPr lvl="1"/>
+            <a:r>
+              <a:rPr lang="en-US" dirty="0" smtClean="0"/>
+              <a:t>Amount: </a:t>
+            </a:r>
+            <a:r>
+              <a:rPr lang="en-US" dirty="0"/>
+              <a:t>the total loan amount borrowed by </a:t>
+            </a:r>
+            <a:r>
+              <a:rPr lang="en-US" dirty="0" smtClean="0"/>
+              <a:t>the client.</a:t>
+            </a:r>
+          </a:p>
+          <a:p>
+            <a:pPr lvl="1"/>
+            <a:r>
+              <a:rPr lang="en-US" dirty="0" smtClean="0"/>
+              <a:t>Payments: the </a:t>
+            </a:r>
+            <a:r>
+              <a:rPr lang="en-US" dirty="0"/>
+              <a:t>monthly amount </a:t>
+            </a:r>
+            <a:r>
+              <a:rPr lang="en-US" dirty="0" smtClean="0"/>
+              <a:t>of loan payments made by the client.</a:t>
+            </a:r>
+          </a:p>
+          <a:p>
+            <a:pPr lvl="1"/>
+            <a:r>
+              <a:rPr lang="en-US" dirty="0" smtClean="0"/>
+              <a:t>Gender: the client’s gender.</a:t>
+            </a:r>
+          </a:p>
+          <a:p>
+            <a:pPr lvl="1"/>
+            <a:r>
+              <a:rPr lang="en-US" dirty="0" err="1" smtClean="0"/>
+              <a:t>VarWD</a:t>
+            </a:r>
+            <a:r>
+              <a:rPr lang="en-US" dirty="0" smtClean="0"/>
+              <a:t>: The monthly average variation of the withdrawals made by the client.</a:t>
+            </a:r>
+          </a:p>
+        </p:txBody>
+      </p:sp>
+    </p:spTree>
+    <p:extLst>
+      <p:ext uri="{BB962C8B-B14F-4D97-AF65-F5344CB8AC3E}">
+        <p14:creationId xmlns:p14="http://schemas.microsoft.com/office/powerpoint/2010/main" val="281718605"/>
+      </p:ext>
+    </p:extLst>
+  </p:cSld>
+  <p:clrMapOvr>
+    <a:masterClrMapping/>
+  </p:clrMapOvr>
+  <p:timing>
+    <p:tnLst>
+      <p:par>
+        <p:cTn id="1" dur="indefinite" restart="never" nodeType="tmRoot"/>
+      </p:par>
+    </p:tnLst>
+  </p:timing>
+</p:sld>
+</file>
+
+<file path=ppt/slides/slide25.xml><?xml version="1.0" encoding="utf-8"?>
+<p:sld xmlns:a="http://schemas.openxmlformats.org/drawingml/2006/main" xmlns:r="http://schemas.openxmlformats.org/officeDocument/2006/relationships" xmlns:p="http://schemas.openxmlformats.org/presentationml/2006/main">
+  <p:cSld>
+    <p:spTree>
+      <p:nvGrpSpPr>
+        <p:cNvPr id="1" name=""/>
+        <p:cNvGrpSpPr/>
+        <p:nvPr/>
+      </p:nvGrpSpPr>
+      <p:grpSpPr>
+        <a:xfrm>
+          <a:off x="0" y="0"/>
+          <a:ext cx="0" cy="0"/>
+          <a:chOff x="0" y="0"/>
+          <a:chExt cx="0" cy="0"/>
+        </a:xfrm>
+      </p:grpSpPr>
+      <p:sp>
+        <p:nvSpPr>
+          <p:cNvPr id="2" name="Title 1"/>
+          <p:cNvSpPr>
+            <a:spLocks noGrp="1"/>
+          </p:cNvSpPr>
+          <p:nvPr>
+            <p:ph type="title"/>
+          </p:nvPr>
+        </p:nvSpPr>
+        <p:spPr/>
+        <p:txBody>
+          <a:bodyPr/>
+          <a:lstStyle/>
+          <a:p>
+            <a:r>
+              <a:rPr lang="en-US" dirty="0" smtClean="0"/>
+              <a:t>Decision Tree model</a:t>
+            </a:r>
+            <a:endParaRPr lang="en-US" dirty="0"/>
+          </a:p>
+        </p:txBody>
+      </p:sp>
+      <p:pic>
+        <p:nvPicPr>
+          <p:cNvPr id="4" name="Content Placeholder 3"/>
+          <p:cNvPicPr>
+            <a:picLocks noGrp="1" noChangeAspect="1"/>
+          </p:cNvPicPr>
+          <p:nvPr>
+            <p:ph idx="1"/>
+          </p:nvPr>
+        </p:nvPicPr>
+        <p:blipFill>
+          <a:blip r:embed="rId2">
+            <a:extLst>
+              <a:ext uri="{28A0092B-C50C-407E-A947-70E740481C1C}">
+                <a14:useLocalDpi xmlns:a14="http://schemas.microsoft.com/office/drawing/2010/main" val="0"/>
+              </a:ext>
+            </a:extLst>
+          </a:blip>
+          <a:stretch>
+            <a:fillRect/>
+          </a:stretch>
+        </p:blipFill>
+        <p:spPr>
+          <a:xfrm>
+            <a:off x="1540010" y="990600"/>
+            <a:ext cx="6063979" cy="5135563"/>
+          </a:xfrm>
+        </p:spPr>
+      </p:pic>
+    </p:spTree>
+    <p:extLst>
+      <p:ext uri="{BB962C8B-B14F-4D97-AF65-F5344CB8AC3E}">
+        <p14:creationId xmlns:p14="http://schemas.microsoft.com/office/powerpoint/2010/main" val="748323620"/>
+      </p:ext>
+    </p:extLst>
+  </p:cSld>
+  <p:clrMapOvr>
+    <a:masterClrMapping/>
+  </p:clrMapOvr>
+  <p:timing>
+    <p:tnLst>
+      <p:par>
+        <p:cTn id="1" dur="indefinite" restart="never" nodeType="tmRoot"/>
+      </p:par>
+    </p:tnLst>
+  </p:timing>
+</p:sld>
+</file>
+
+<file path=ppt/slides/slide26.xml><?xml version="1.0" encoding="utf-8"?>
+<p:sld xmlns:a="http://schemas.openxmlformats.org/drawingml/2006/main" xmlns:r="http://schemas.openxmlformats.org/officeDocument/2006/relationships" xmlns:p="http://schemas.openxmlformats.org/presentationml/2006/main">
+  <p:cSld>
+    <p:spTree>
+      <p:nvGrpSpPr>
+        <p:cNvPr id="1" name=""/>
+        <p:cNvGrpSpPr/>
+        <p:nvPr/>
+      </p:nvGrpSpPr>
+      <p:grpSpPr>
+        <a:xfrm>
+          <a:off x="0" y="0"/>
+          <a:ext cx="0" cy="0"/>
+          <a:chOff x="0" y="0"/>
+          <a:chExt cx="0" cy="0"/>
+        </a:xfrm>
+      </p:grpSpPr>
+      <p:sp>
+        <p:nvSpPr>
+          <p:cNvPr id="2" name="Title 1"/>
+          <p:cNvSpPr>
+            <a:spLocks noGrp="1"/>
+          </p:cNvSpPr>
+          <p:nvPr>
+            <p:ph type="title"/>
+          </p:nvPr>
+        </p:nvSpPr>
+        <p:spPr/>
+        <p:txBody>
+          <a:bodyPr/>
+          <a:lstStyle/>
+          <a:p>
+            <a:r>
+              <a:rPr lang="en-US" dirty="0" smtClean="0"/>
+              <a:t>Decision Tree</a:t>
+            </a:r>
+            <a:r>
+              <a:rPr lang="en-US" dirty="0">
+                <a:sym typeface="Wingdings"/>
+              </a:rPr>
+              <a:t> </a:t>
+            </a:r>
+            <a:r>
+              <a:rPr lang="en-US" dirty="0" smtClean="0">
+                <a:sym typeface="Wingdings"/>
+              </a:rPr>
+              <a:t>model: evaluation</a:t>
+            </a:r>
+            <a:endParaRPr lang="en-US" dirty="0"/>
+          </a:p>
+        </p:txBody>
+      </p:sp>
+      <p:pic>
+        <p:nvPicPr>
+          <p:cNvPr id="6" name="Content Placeholder 5"/>
+          <p:cNvPicPr>
+            <a:picLocks noGrp="1" noChangeAspect="1"/>
+          </p:cNvPicPr>
+          <p:nvPr>
+            <p:ph idx="1"/>
+          </p:nvPr>
+        </p:nvPicPr>
+        <p:blipFill>
+          <a:blip r:embed="rId2">
+            <a:extLst>
+              <a:ext uri="{28A0092B-C50C-407E-A947-70E740481C1C}">
+                <a14:useLocalDpi xmlns:a14="http://schemas.microsoft.com/office/drawing/2010/main" val="0"/>
+              </a:ext>
+            </a:extLst>
+          </a:blip>
+          <a:stretch>
+            <a:fillRect/>
+          </a:stretch>
+        </p:blipFill>
+        <p:spPr>
+          <a:xfrm>
+            <a:off x="1562100" y="2743200"/>
+            <a:ext cx="6019800" cy="997710"/>
+          </a:xfrm>
+        </p:spPr>
+      </p:pic>
+    </p:spTree>
+    <p:extLst>
+      <p:ext uri="{BB962C8B-B14F-4D97-AF65-F5344CB8AC3E}">
+        <p14:creationId xmlns:p14="http://schemas.microsoft.com/office/powerpoint/2010/main" val="1583895211"/>
+      </p:ext>
+    </p:extLst>
+  </p:cSld>
+  <p:clrMapOvr>
+    <a:masterClrMapping/>
+  </p:clrMapOvr>
+  <p:timing>
+    <p:tnLst>
+      <p:par>
+        <p:cTn id="1" dur="indefinite" restart="never" nodeType="tmRoot"/>
+      </p:par>
+    </p:tnLst>
+  </p:timing>
+</p:sld>
+</file>
+
+<file path=ppt/slides/slide27.xml><?xml version="1.0" encoding="utf-8"?>
+<p:sld xmlns:a="http://schemas.openxmlformats.org/drawingml/2006/main" xmlns:r="http://schemas.openxmlformats.org/officeDocument/2006/relationships" xmlns:p="http://schemas.openxmlformats.org/presentationml/2006/main">
+  <p:cSld>
+    <p:spTree>
+      <p:nvGrpSpPr>
+        <p:cNvPr id="1" name=""/>
+        <p:cNvGrpSpPr/>
+        <p:nvPr/>
+      </p:nvGrpSpPr>
+      <p:grpSpPr>
+        <a:xfrm>
+          <a:off x="0" y="0"/>
+          <a:ext cx="0" cy="0"/>
+          <a:chOff x="0" y="0"/>
+          <a:chExt cx="0" cy="0"/>
+        </a:xfrm>
+      </p:grpSpPr>
+      <p:sp>
+        <p:nvSpPr>
+          <p:cNvPr id="2" name="Title 1"/>
+          <p:cNvSpPr>
+            <a:spLocks noGrp="1"/>
+          </p:cNvSpPr>
+          <p:nvPr>
+            <p:ph type="title"/>
+          </p:nvPr>
+        </p:nvSpPr>
+        <p:spPr/>
+        <p:txBody>
+          <a:bodyPr/>
+          <a:lstStyle/>
+          <a:p>
+            <a:r>
+              <a:rPr lang="en-US" dirty="0" smtClean="0"/>
+              <a:t>Naïve Bayes</a:t>
+            </a:r>
+            <a:endParaRPr lang="en-US" dirty="0"/>
+          </a:p>
+        </p:txBody>
+      </p:sp>
+      <p:sp>
+        <p:nvSpPr>
+          <p:cNvPr id="3" name="Content Placeholder 2"/>
+          <p:cNvSpPr>
+            <a:spLocks noGrp="1"/>
+          </p:cNvSpPr>
+          <p:nvPr>
+            <p:ph idx="1"/>
+          </p:nvPr>
+        </p:nvSpPr>
+        <p:spPr/>
+        <p:txBody>
+          <a:bodyPr/>
+          <a:lstStyle/>
+          <a:p>
+            <a:r>
+              <a:rPr lang="en-US" dirty="0"/>
+              <a:t>The following relations were joined: Client, Account, Loan, Disposition and Transactions.</a:t>
+            </a:r>
+          </a:p>
+          <a:p>
+            <a:r>
+              <a:rPr lang="en-US" dirty="0"/>
+              <a:t>The same pre-computed attributes from the Decision Tree model were used</a:t>
+            </a:r>
+            <a:r>
+              <a:rPr lang="en-US" dirty="0" smtClean="0"/>
+              <a:t>.</a:t>
+            </a:r>
+          </a:p>
+          <a:p>
+            <a:r>
+              <a:rPr lang="en-US" dirty="0" smtClean="0"/>
+              <a:t>In </a:t>
+            </a:r>
+            <a:r>
+              <a:rPr lang="en-US" dirty="0" err="1"/>
+              <a:t>RapidMiner</a:t>
+            </a:r>
+            <a:r>
+              <a:rPr lang="en-US" dirty="0"/>
+              <a:t>:</a:t>
+            </a:r>
+          </a:p>
+          <a:p>
+            <a:pPr lvl="1"/>
+            <a:r>
+              <a:rPr lang="en-US" dirty="0"/>
+              <a:t>The data was split using the split validation operator: 70% for training and 30% for testing.</a:t>
+            </a:r>
+          </a:p>
+          <a:p>
+            <a:pPr lvl="1"/>
+            <a:r>
+              <a:rPr lang="en-US" dirty="0" smtClean="0"/>
+              <a:t>The </a:t>
+            </a:r>
+            <a:r>
+              <a:rPr lang="en-US" i="1" dirty="0" smtClean="0"/>
+              <a:t>Naïve Bayes </a:t>
+            </a:r>
+            <a:r>
+              <a:rPr lang="en-US" dirty="0" smtClean="0"/>
+              <a:t>operator was used:</a:t>
+            </a:r>
+          </a:p>
+          <a:p>
+            <a:pPr lvl="2"/>
+            <a:r>
+              <a:rPr lang="en-US" dirty="0" smtClean="0"/>
+              <a:t>The </a:t>
+            </a:r>
+            <a:r>
+              <a:rPr lang="en-US" dirty="0" err="1" smtClean="0"/>
+              <a:t>laplace</a:t>
+            </a:r>
+            <a:r>
+              <a:rPr lang="en-US" dirty="0" smtClean="0"/>
+              <a:t> correction option was set to true.</a:t>
+            </a:r>
+          </a:p>
+        </p:txBody>
+      </p:sp>
+    </p:spTree>
+    <p:extLst>
+      <p:ext uri="{BB962C8B-B14F-4D97-AF65-F5344CB8AC3E}">
+        <p14:creationId xmlns:p14="http://schemas.microsoft.com/office/powerpoint/2010/main" val="1276252877"/>
+      </p:ext>
+    </p:extLst>
+  </p:cSld>
+  <p:clrMapOvr>
+    <a:masterClrMapping/>
+  </p:clrMapOvr>
+  <p:timing>
+    <p:tnLst>
+      <p:par>
+        <p:cTn id="1" dur="indefinite" restart="never" nodeType="tmRoot"/>
+      </p:par>
+    </p:tnLst>
+  </p:timing>
+</p:sld>
+</file>
+
+<file path=ppt/slides/slide28.xml><?xml version="1.0" encoding="utf-8"?>
+<p:sld xmlns:a="http://schemas.openxmlformats.org/drawingml/2006/main" xmlns:r="http://schemas.openxmlformats.org/officeDocument/2006/relationships" xmlns:p="http://schemas.openxmlformats.org/presentationml/2006/main">
+  <p:cSld>
+    <p:spTree>
+      <p:nvGrpSpPr>
+        <p:cNvPr id="1" name=""/>
+        <p:cNvGrpSpPr/>
+        <p:nvPr/>
+      </p:nvGrpSpPr>
+      <p:grpSpPr>
+        <a:xfrm>
+          <a:off x="0" y="0"/>
+          <a:ext cx="0" cy="0"/>
+          <a:chOff x="0" y="0"/>
+          <a:chExt cx="0" cy="0"/>
+        </a:xfrm>
+      </p:grpSpPr>
+      <p:sp>
+        <p:nvSpPr>
+          <p:cNvPr id="2" name="Title 1"/>
+          <p:cNvSpPr>
+            <a:spLocks noGrp="1"/>
+          </p:cNvSpPr>
+          <p:nvPr>
+            <p:ph type="title"/>
+          </p:nvPr>
+        </p:nvSpPr>
+        <p:spPr/>
+        <p:txBody>
+          <a:bodyPr/>
+          <a:lstStyle/>
+          <a:p>
+            <a:r>
+              <a:rPr lang="en-US" dirty="0" smtClean="0"/>
+              <a:t>Naïve Bayes model</a:t>
+            </a:r>
+            <a:endParaRPr lang="en-US" dirty="0"/>
+          </a:p>
+        </p:txBody>
+      </p:sp>
+      <p:pic>
+        <p:nvPicPr>
+          <p:cNvPr id="5" name="Content Placeholder 4"/>
+          <p:cNvPicPr>
+            <a:picLocks noGrp="1" noChangeAspect="1"/>
+          </p:cNvPicPr>
+          <p:nvPr>
+            <p:ph idx="1"/>
+          </p:nvPr>
+        </p:nvPicPr>
+        <p:blipFill>
+          <a:blip r:embed="rId2">
+            <a:extLst>
+              <a:ext uri="{28A0092B-C50C-407E-A947-70E740481C1C}">
+                <a14:useLocalDpi xmlns:a14="http://schemas.microsoft.com/office/drawing/2010/main" val="0"/>
+              </a:ext>
+            </a:extLst>
+          </a:blip>
+          <a:stretch>
+            <a:fillRect/>
+          </a:stretch>
+        </p:blipFill>
+        <p:spPr>
+          <a:xfrm>
+            <a:off x="939463" y="990600"/>
+            <a:ext cx="7265073" cy="5135563"/>
+          </a:xfrm>
+        </p:spPr>
+      </p:pic>
+    </p:spTree>
+    <p:extLst>
+      <p:ext uri="{BB962C8B-B14F-4D97-AF65-F5344CB8AC3E}">
+        <p14:creationId xmlns:p14="http://schemas.microsoft.com/office/powerpoint/2010/main" val="1133887005"/>
+      </p:ext>
+    </p:extLst>
+  </p:cSld>
+  <p:clrMapOvr>
+    <a:masterClrMapping/>
+  </p:clrMapOvr>
+  <p:timing>
+    <p:tnLst>
+      <p:par>
+        <p:cTn id="1" dur="indefinite" restart="never" nodeType="tmRoot"/>
+      </p:par>
+    </p:tnLst>
+  </p:timing>
+</p:sld>
+</file>
+
+<file path=ppt/slides/slide29.xml><?xml version="1.0" encoding="utf-8"?>
+<p:sld xmlns:a="http://schemas.openxmlformats.org/drawingml/2006/main" xmlns:r="http://schemas.openxmlformats.org/officeDocument/2006/relationships" xmlns:p="http://schemas.openxmlformats.org/presentationml/2006/main">
+  <p:cSld>
+    <p:spTree>
+      <p:nvGrpSpPr>
+        <p:cNvPr id="1" name=""/>
+        <p:cNvGrpSpPr/>
+        <p:nvPr/>
+      </p:nvGrpSpPr>
+      <p:grpSpPr>
+        <a:xfrm>
+          <a:off x="0" y="0"/>
+          <a:ext cx="0" cy="0"/>
+          <a:chOff x="0" y="0"/>
+          <a:chExt cx="0" cy="0"/>
+        </a:xfrm>
+      </p:grpSpPr>
+      <p:sp>
+        <p:nvSpPr>
+          <p:cNvPr id="2" name="Title 1"/>
+          <p:cNvSpPr>
+            <a:spLocks noGrp="1"/>
+          </p:cNvSpPr>
+          <p:nvPr>
+            <p:ph type="title"/>
+          </p:nvPr>
+        </p:nvSpPr>
+        <p:spPr/>
+        <p:txBody>
+          <a:bodyPr/>
+          <a:lstStyle/>
+          <a:p>
+            <a:r>
+              <a:rPr lang="en-US" dirty="0" smtClean="0"/>
+              <a:t>Naïve Bayes model</a:t>
+            </a:r>
+            <a:endParaRPr lang="en-US" dirty="0"/>
+          </a:p>
+        </p:txBody>
+      </p:sp>
+      <p:pic>
+        <p:nvPicPr>
+          <p:cNvPr id="4" name="Content Placeholder 3"/>
+          <p:cNvPicPr>
+            <a:picLocks noGrp="1" noChangeAspect="1"/>
+          </p:cNvPicPr>
+          <p:nvPr>
+            <p:ph idx="1"/>
+          </p:nvPr>
+        </p:nvPicPr>
+        <p:blipFill>
+          <a:blip r:embed="rId2">
+            <a:extLst>
+              <a:ext uri="{28A0092B-C50C-407E-A947-70E740481C1C}">
+                <a14:useLocalDpi xmlns:a14="http://schemas.microsoft.com/office/drawing/2010/main" val="0"/>
+              </a:ext>
+            </a:extLst>
+          </a:blip>
+          <a:stretch>
+            <a:fillRect/>
+          </a:stretch>
+        </p:blipFill>
+        <p:spPr>
+          <a:xfrm>
+            <a:off x="939463" y="990600"/>
+            <a:ext cx="7265073" cy="5135563"/>
+          </a:xfrm>
+        </p:spPr>
+      </p:pic>
+    </p:spTree>
+    <p:extLst>
+      <p:ext uri="{BB962C8B-B14F-4D97-AF65-F5344CB8AC3E}">
+        <p14:creationId xmlns:p14="http://schemas.microsoft.com/office/powerpoint/2010/main" val="1650831760"/>
       </p:ext>
     </p:extLst>
   </p:cSld>
@@ -6272,6 +7704,191 @@
     <p:extLst>
       <p:ext uri="{BB962C8B-B14F-4D97-AF65-F5344CB8AC3E}">
         <p14:creationId xmlns:p14="http://schemas.microsoft.com/office/powerpoint/2010/main" val="1822875304"/>
+      </p:ext>
+    </p:extLst>
+  </p:cSld>
+  <p:clrMapOvr>
+    <a:masterClrMapping/>
+  </p:clrMapOvr>
+  <p:timing>
+    <p:tnLst>
+      <p:par>
+        <p:cTn id="1" dur="indefinite" restart="never" nodeType="tmRoot"/>
+      </p:par>
+    </p:tnLst>
+  </p:timing>
+</p:sld>
+</file>
+
+<file path=ppt/slides/slide30.xml><?xml version="1.0" encoding="utf-8"?>
+<p:sld xmlns:a="http://schemas.openxmlformats.org/drawingml/2006/main" xmlns:r="http://schemas.openxmlformats.org/officeDocument/2006/relationships" xmlns:p="http://schemas.openxmlformats.org/presentationml/2006/main">
+  <p:cSld>
+    <p:spTree>
+      <p:nvGrpSpPr>
+        <p:cNvPr id="1" name=""/>
+        <p:cNvGrpSpPr/>
+        <p:nvPr/>
+      </p:nvGrpSpPr>
+      <p:grpSpPr>
+        <a:xfrm>
+          <a:off x="0" y="0"/>
+          <a:ext cx="0" cy="0"/>
+          <a:chOff x="0" y="0"/>
+          <a:chExt cx="0" cy="0"/>
+        </a:xfrm>
+      </p:grpSpPr>
+      <p:sp>
+        <p:nvSpPr>
+          <p:cNvPr id="2" name="Title 1"/>
+          <p:cNvSpPr>
+            <a:spLocks noGrp="1"/>
+          </p:cNvSpPr>
+          <p:nvPr>
+            <p:ph type="title"/>
+          </p:nvPr>
+        </p:nvSpPr>
+        <p:spPr/>
+        <p:txBody>
+          <a:bodyPr/>
+          <a:lstStyle/>
+          <a:p>
+            <a:r>
+              <a:rPr lang="en-US" dirty="0" smtClean="0"/>
+              <a:t>Naïve Bayes model: evaluation</a:t>
+            </a:r>
+            <a:endParaRPr lang="en-US" dirty="0"/>
+          </a:p>
+        </p:txBody>
+      </p:sp>
+      <p:pic>
+        <p:nvPicPr>
+          <p:cNvPr id="5" name="Content Placeholder 4"/>
+          <p:cNvPicPr>
+            <a:picLocks noGrp="1" noChangeAspect="1"/>
+          </p:cNvPicPr>
+          <p:nvPr>
+            <p:ph idx="1"/>
+          </p:nvPr>
+        </p:nvPicPr>
+        <p:blipFill>
+          <a:blip r:embed="rId2">
+            <a:extLst>
+              <a:ext uri="{28A0092B-C50C-407E-A947-70E740481C1C}">
+                <a14:useLocalDpi xmlns:a14="http://schemas.microsoft.com/office/drawing/2010/main" val="0"/>
+              </a:ext>
+            </a:extLst>
+          </a:blip>
+          <a:stretch>
+            <a:fillRect/>
+          </a:stretch>
+        </p:blipFill>
+        <p:spPr>
+          <a:xfrm>
+            <a:off x="990600" y="2743200"/>
+            <a:ext cx="7162800" cy="1185498"/>
+          </a:xfrm>
+        </p:spPr>
+      </p:pic>
+    </p:spTree>
+    <p:extLst>
+      <p:ext uri="{BB962C8B-B14F-4D97-AF65-F5344CB8AC3E}">
+        <p14:creationId xmlns:p14="http://schemas.microsoft.com/office/powerpoint/2010/main" val="445536628"/>
+      </p:ext>
+    </p:extLst>
+  </p:cSld>
+  <p:clrMapOvr>
+    <a:masterClrMapping/>
+  </p:clrMapOvr>
+  <p:timing>
+    <p:tnLst>
+      <p:par>
+        <p:cTn id="1" dur="indefinite" restart="never" nodeType="tmRoot"/>
+      </p:par>
+    </p:tnLst>
+  </p:timing>
+</p:sld>
+</file>
+
+<file path=ppt/slides/slide31.xml><?xml version="1.0" encoding="utf-8"?>
+<p:sld xmlns:a="http://schemas.openxmlformats.org/drawingml/2006/main" xmlns:r="http://schemas.openxmlformats.org/officeDocument/2006/relationships" xmlns:p="http://schemas.openxmlformats.org/presentationml/2006/main">
+  <p:cSld>
+    <p:spTree>
+      <p:nvGrpSpPr>
+        <p:cNvPr id="1" name=""/>
+        <p:cNvGrpSpPr/>
+        <p:nvPr/>
+      </p:nvGrpSpPr>
+      <p:grpSpPr>
+        <a:xfrm>
+          <a:off x="0" y="0"/>
+          <a:ext cx="0" cy="0"/>
+          <a:chOff x="0" y="0"/>
+          <a:chExt cx="0" cy="0"/>
+        </a:xfrm>
+      </p:grpSpPr>
+      <p:sp>
+        <p:nvSpPr>
+          <p:cNvPr id="2" name="Title 1"/>
+          <p:cNvSpPr>
+            <a:spLocks noGrp="1"/>
+          </p:cNvSpPr>
+          <p:nvPr>
+            <p:ph type="title"/>
+          </p:nvPr>
+        </p:nvSpPr>
+        <p:spPr/>
+        <p:txBody>
+          <a:bodyPr/>
+          <a:lstStyle/>
+          <a:p>
+            <a:r>
+              <a:rPr lang="en-US" dirty="0" smtClean="0"/>
+              <a:t>Conclusions and future work</a:t>
+            </a:r>
+            <a:endParaRPr lang="en-US" dirty="0"/>
+          </a:p>
+        </p:txBody>
+      </p:sp>
+      <p:sp>
+        <p:nvSpPr>
+          <p:cNvPr id="3" name="Content Placeholder 2"/>
+          <p:cNvSpPr>
+            <a:spLocks noGrp="1"/>
+          </p:cNvSpPr>
+          <p:nvPr>
+            <p:ph idx="1"/>
+          </p:nvPr>
+        </p:nvSpPr>
+        <p:spPr/>
+        <p:txBody>
+          <a:bodyPr/>
+          <a:lstStyle/>
+          <a:p>
+            <a:r>
+              <a:rPr lang="en-US" dirty="0" smtClean="0"/>
+              <a:t>In the context of the descriptive data mining task, clients were segmented according to geo-demographic data and assets and liabilities. Both behavioristic and life stage segmentations were not performed due to lack of data. </a:t>
+            </a:r>
+          </a:p>
+          <a:p>
+            <a:r>
+              <a:rPr lang="en-US" dirty="0" smtClean="0"/>
+              <a:t>In the context of the predictive data mining task, the Decision Tree model has a bigger accuracy when compared to the Naïve Bayes model. However, given the reduced dimension of the dataset, the risk of the </a:t>
+            </a:r>
+            <a:r>
+              <a:rPr lang="en-US" dirty="0" err="1" smtClean="0"/>
+              <a:t>overfitting</a:t>
+            </a:r>
+            <a:r>
+              <a:rPr lang="en-US" dirty="0" smtClean="0"/>
+              <a:t> in the Decision Tree model is considerable.</a:t>
+            </a:r>
+          </a:p>
+        </p:txBody>
+      </p:sp>
+    </p:spTree>
+    <p:extLst>
+      <p:ext uri="{BB962C8B-B14F-4D97-AF65-F5344CB8AC3E}">
+        <p14:creationId xmlns:p14="http://schemas.microsoft.com/office/powerpoint/2010/main" val="1260731084"/>
       </p:ext>
     </p:extLst>
   </p:cSld>
@@ -6446,6 +8063,30 @@
           </a:p>
         </p:txBody>
       </p:sp>
+      <p:pic>
+        <p:nvPicPr>
+          <p:cNvPr id="4" name="Picture 3"/>
+          <p:cNvPicPr>
+            <a:picLocks noChangeAspect="1"/>
+          </p:cNvPicPr>
+          <p:nvPr/>
+        </p:nvPicPr>
+        <p:blipFill>
+          <a:blip r:embed="rId2"/>
+          <a:stretch>
+            <a:fillRect/>
+          </a:stretch>
+        </p:blipFill>
+        <p:spPr>
+          <a:xfrm>
+            <a:off x="1352550" y="1666081"/>
+            <a:ext cx="6438900" cy="3784600"/>
+          </a:xfrm>
+          <a:prstGeom prst="rect">
+            <a:avLst/>
+          </a:prstGeom>
+        </p:spPr>
+      </p:pic>
     </p:spTree>
     <p:extLst>
       <p:ext uri="{BB962C8B-B14F-4D97-AF65-F5344CB8AC3E}">
@@ -6516,12 +8157,115 @@
             <p:ph idx="1"/>
           </p:nvPr>
         </p:nvSpPr>
-        <p:spPr/>
+        <p:spPr>
+          <a:xfrm>
+            <a:off x="457200" y="990600"/>
+            <a:ext cx="8305800" cy="5135563"/>
+          </a:xfrm>
+        </p:spPr>
         <p:txBody>
           <a:bodyPr/>
           <a:lstStyle/>
           <a:p>
-            <a:endParaRPr lang="en-US"/>
+            <a:pPr algn="just"/>
+            <a:r>
+              <a:rPr lang="en-US" dirty="0" smtClean="0"/>
+              <a:t>Data cleaning</a:t>
+            </a:r>
+          </a:p>
+          <a:p>
+            <a:pPr lvl="1" algn="just"/>
+            <a:r>
+              <a:rPr lang="en-US" dirty="0" smtClean="0"/>
+              <a:t>Add </a:t>
+            </a:r>
+            <a:r>
+              <a:rPr lang="en-US" dirty="0"/>
+              <a:t>labels where missing (district, </a:t>
+            </a:r>
+            <a:r>
+              <a:rPr lang="en-US" dirty="0" smtClean="0"/>
+              <a:t>…);</a:t>
+            </a:r>
+          </a:p>
+          <a:p>
+            <a:pPr lvl="1" algn="just"/>
+            <a:r>
+              <a:rPr lang="en-US" dirty="0" smtClean="0"/>
+              <a:t>Extract </a:t>
+            </a:r>
+            <a:r>
+              <a:rPr lang="en-US" dirty="0"/>
+              <a:t>gender from birth </a:t>
+            </a:r>
+            <a:r>
+              <a:rPr lang="en-US" dirty="0" smtClean="0"/>
+              <a:t>date in the Client relation;</a:t>
+            </a:r>
+          </a:p>
+          <a:p>
+            <a:pPr lvl="1" algn="just"/>
+            <a:r>
+              <a:rPr lang="en-US" dirty="0" smtClean="0"/>
+              <a:t>Format </a:t>
+            </a:r>
+            <a:r>
+              <a:rPr lang="en-US" dirty="0"/>
+              <a:t>dates and </a:t>
+            </a:r>
+            <a:r>
+              <a:rPr lang="en-US" dirty="0" smtClean="0"/>
+              <a:t>numbers;</a:t>
+            </a:r>
+          </a:p>
+          <a:p>
+            <a:pPr algn="just"/>
+            <a:r>
+              <a:rPr lang="en-US" dirty="0" smtClean="0"/>
+              <a:t>Data transformation:</a:t>
+            </a:r>
+          </a:p>
+          <a:p>
+            <a:pPr lvl="1" algn="just"/>
+            <a:r>
+              <a:rPr lang="en-US" dirty="0"/>
+              <a:t>Calculate age in the Client relation</a:t>
+            </a:r>
+            <a:r>
+              <a:rPr lang="en-US" dirty="0" smtClean="0"/>
+              <a:t>;</a:t>
+            </a:r>
+          </a:p>
+          <a:p>
+            <a:pPr lvl="1" algn="just"/>
+            <a:r>
+              <a:rPr lang="en-US" dirty="0" smtClean="0"/>
+              <a:t>Import </a:t>
+            </a:r>
+            <a:r>
+              <a:rPr lang="en-US" dirty="0"/>
+              <a:t>raw data into </a:t>
+            </a:r>
+            <a:r>
+              <a:rPr lang="en-US" dirty="0" err="1" smtClean="0"/>
+              <a:t>RapidMiner</a:t>
+            </a:r>
+            <a:r>
+              <a:rPr lang="en-US" dirty="0" smtClean="0"/>
+              <a:t>;</a:t>
+            </a:r>
+          </a:p>
+          <a:p>
+            <a:pPr lvl="1" algn="just"/>
+            <a:r>
+              <a:rPr lang="en-US" dirty="0" err="1" smtClean="0"/>
+              <a:t>Denormalize</a:t>
+            </a:r>
+            <a:r>
+              <a:rPr lang="en-US" dirty="0" smtClean="0"/>
+              <a:t> various relations for the descriptive and predictive analysis algorithms.</a:t>
+            </a:r>
+            <a:endParaRPr lang="en-US" dirty="0"/>
           </a:p>
         </p:txBody>
       </p:sp>
@@ -6858,15 +8602,34 @@
           <a:p>
             <a:r>
               <a:rPr lang="en-US" dirty="0" smtClean="0"/>
-              <a:t>Gender distribution</a:t>
+              <a:t>Age distribution</a:t>
             </a:r>
             <a:endParaRPr lang="en-US" dirty="0"/>
+          </a:p>
+        </p:txBody>
+      </p:sp>
+      <p:sp>
+        <p:nvSpPr>
+          <p:cNvPr id="8" name="Content Placeholder 7"/>
+          <p:cNvSpPr>
+            <a:spLocks noGrp="1"/>
+          </p:cNvSpPr>
+          <p:nvPr>
+            <p:ph idx="1"/>
+          </p:nvPr>
+        </p:nvSpPr>
+        <p:spPr/>
+        <p:txBody>
+          <a:bodyPr/>
+          <a:lstStyle/>
+          <a:p>
+            <a:endParaRPr lang="en-US"/>
           </a:p>
         </p:txBody>
       </p:sp>
       <p:pic>
         <p:nvPicPr>
-          <p:cNvPr id="6" name="Picture 5"/>
+          <p:cNvPr id="4" name="Picture 3"/>
           <p:cNvPicPr>
             <a:picLocks noChangeAspect="1"/>
           </p:cNvPicPr>
@@ -6886,8 +8649,8 @@
         </p:blipFill>
         <p:spPr>
           <a:xfrm>
-            <a:off x="1295400" y="914400"/>
-            <a:ext cx="6553200" cy="5183395"/>
+            <a:off x="1252141" y="797744"/>
+            <a:ext cx="6596459" cy="5450656"/>
           </a:xfrm>
           <a:prstGeom prst="rect">
             <a:avLst/>
@@ -6897,7 +8660,7 @@
     </p:spTree>
     <p:extLst>
       <p:ext uri="{BB962C8B-B14F-4D97-AF65-F5344CB8AC3E}">
-        <p14:creationId xmlns:p14="http://schemas.microsoft.com/office/powerpoint/2010/main" val="777550902"/>
+        <p14:creationId xmlns:p14="http://schemas.microsoft.com/office/powerpoint/2010/main" val="1761490125"/>
       </p:ext>
     </p:extLst>
   </p:cSld>

--- a/Presentation/ecac_presentation.pptx
+++ b/Presentation/ecac_presentation.pptx
@@ -5,10 +5,10 @@
     <p:sldMasterId id="2147483675" r:id="rId4"/>
   </p:sldMasterIdLst>
   <p:notesMasterIdLst>
-    <p:notesMasterId r:id="rId36"/>
+    <p:notesMasterId r:id="rId39"/>
   </p:notesMasterIdLst>
   <p:handoutMasterIdLst>
-    <p:handoutMasterId r:id="rId37"/>
+    <p:handoutMasterId r:id="rId40"/>
   </p:handoutMasterIdLst>
   <p:sldIdLst>
     <p:sldId id="256" r:id="rId5"/>
@@ -31,17 +31,20 @@
     <p:sldId id="306" r:id="rId22"/>
     <p:sldId id="302" r:id="rId23"/>
     <p:sldId id="307" r:id="rId24"/>
-    <p:sldId id="308" r:id="rId25"/>
-    <p:sldId id="309" r:id="rId26"/>
-    <p:sldId id="310" r:id="rId27"/>
-    <p:sldId id="313" r:id="rId28"/>
-    <p:sldId id="311" r:id="rId29"/>
-    <p:sldId id="312" r:id="rId30"/>
-    <p:sldId id="314" r:id="rId31"/>
-    <p:sldId id="315" r:id="rId32"/>
-    <p:sldId id="316" r:id="rId33"/>
-    <p:sldId id="317" r:id="rId34"/>
-    <p:sldId id="319" r:id="rId35"/>
+    <p:sldId id="309" r:id="rId25"/>
+    <p:sldId id="310" r:id="rId26"/>
+    <p:sldId id="313" r:id="rId27"/>
+    <p:sldId id="311" r:id="rId28"/>
+    <p:sldId id="312" r:id="rId29"/>
+    <p:sldId id="314" r:id="rId30"/>
+    <p:sldId id="315" r:id="rId31"/>
+    <p:sldId id="316" r:id="rId32"/>
+    <p:sldId id="317" r:id="rId33"/>
+    <p:sldId id="321" r:id="rId34"/>
+    <p:sldId id="320" r:id="rId35"/>
+    <p:sldId id="322" r:id="rId36"/>
+    <p:sldId id="323" r:id="rId37"/>
+    <p:sldId id="324" r:id="rId38"/>
   </p:sldIdLst>
   <p:sldSz cx="9144000" cy="6858000" type="screen4x3"/>
   <p:notesSz cx="7010400" cy="9296400"/>
@@ -889,6 +892,238 @@
     </a:lvl9pPr>
   </p:notesStyle>
 </p:notesMaster>
+</file>
+
+<file path=ppt/notesSlides/notesSlide1.xml><?xml version="1.0" encoding="utf-8"?>
+<p:notes xmlns:a="http://schemas.openxmlformats.org/drawingml/2006/main" xmlns:r="http://schemas.openxmlformats.org/officeDocument/2006/relationships" xmlns:p="http://schemas.openxmlformats.org/presentationml/2006/main">
+  <p:cSld>
+    <p:spTree>
+      <p:nvGrpSpPr>
+        <p:cNvPr id="1" name=""/>
+        <p:cNvGrpSpPr/>
+        <p:nvPr/>
+      </p:nvGrpSpPr>
+      <p:grpSpPr>
+        <a:xfrm>
+          <a:off x="0" y="0"/>
+          <a:ext cx="0" cy="0"/>
+          <a:chOff x="0" y="0"/>
+          <a:chExt cx="0" cy="0"/>
+        </a:xfrm>
+      </p:grpSpPr>
+      <p:sp>
+        <p:nvSpPr>
+          <p:cNvPr id="2" name="Slide Image Placeholder 1"/>
+          <p:cNvSpPr>
+            <a:spLocks noGrp="1" noRot="1" noChangeAspect="1"/>
+          </p:cNvSpPr>
+          <p:nvPr>
+            <p:ph type="sldImg"/>
+          </p:nvPr>
+        </p:nvSpPr>
+        <p:spPr/>
+      </p:sp>
+      <p:sp>
+        <p:nvSpPr>
+          <p:cNvPr id="3" name="Notes Placeholder 2"/>
+          <p:cNvSpPr>
+            <a:spLocks noGrp="1"/>
+          </p:cNvSpPr>
+          <p:nvPr>
+            <p:ph type="body" idx="1"/>
+          </p:nvPr>
+        </p:nvSpPr>
+        <p:spPr/>
+        <p:txBody>
+          <a:bodyPr/>
+          <a:lstStyle/>
+          <a:p>
+            <a:endParaRPr lang="en-US" dirty="0"/>
+          </a:p>
+        </p:txBody>
+      </p:sp>
+      <p:sp>
+        <p:nvSpPr>
+          <p:cNvPr id="4" name="Footer Placeholder 3"/>
+          <p:cNvSpPr>
+            <a:spLocks noGrp="1"/>
+          </p:cNvSpPr>
+          <p:nvPr>
+            <p:ph type="ftr" sz="quarter" idx="10"/>
+          </p:nvPr>
+        </p:nvSpPr>
+        <p:spPr/>
+        <p:txBody>
+          <a:bodyPr/>
+          <a:lstStyle/>
+          <a:p>
+            <a:pPr>
+              <a:defRPr/>
+            </a:pPr>
+            <a:r>
+              <a:rPr lang="en-US" smtClean="0"/>
+              <a:t>1</a:t>
+            </a:r>
+            <a:endParaRPr lang="en-US"/>
+          </a:p>
+        </p:txBody>
+      </p:sp>
+      <p:sp>
+        <p:nvSpPr>
+          <p:cNvPr id="5" name="Slide Number Placeholder 4"/>
+          <p:cNvSpPr>
+            <a:spLocks noGrp="1"/>
+          </p:cNvSpPr>
+          <p:nvPr>
+            <p:ph type="sldNum" sz="quarter" idx="11"/>
+          </p:nvPr>
+        </p:nvSpPr>
+        <p:spPr/>
+        <p:txBody>
+          <a:bodyPr/>
+          <a:lstStyle/>
+          <a:p>
+            <a:pPr>
+              <a:defRPr/>
+            </a:pPr>
+            <a:fld id="{0D9FA070-4CD9-4787-B05B-21C4CF28B3DD}" type="slidenum">
+              <a:rPr lang="en-US" smtClean="0"/>
+              <a:pPr>
+                <a:defRPr/>
+              </a:pPr>
+              <a:t>32</a:t>
+            </a:fld>
+            <a:endParaRPr lang="en-US"/>
+          </a:p>
+        </p:txBody>
+      </p:sp>
+    </p:spTree>
+    <p:extLst>
+      <p:ext uri="{BB962C8B-B14F-4D97-AF65-F5344CB8AC3E}">
+        <p14:creationId xmlns:p14="http://schemas.microsoft.com/office/powerpoint/2010/main" val="1032540898"/>
+      </p:ext>
+    </p:extLst>
+  </p:cSld>
+  <p:clrMapOvr>
+    <a:masterClrMapping/>
+  </p:clrMapOvr>
+</p:notes>
+</file>
+
+<file path=ppt/notesSlides/notesSlide2.xml><?xml version="1.0" encoding="utf-8"?>
+<p:notes xmlns:a="http://schemas.openxmlformats.org/drawingml/2006/main" xmlns:r="http://schemas.openxmlformats.org/officeDocument/2006/relationships" xmlns:p="http://schemas.openxmlformats.org/presentationml/2006/main">
+  <p:cSld>
+    <p:spTree>
+      <p:nvGrpSpPr>
+        <p:cNvPr id="1" name=""/>
+        <p:cNvGrpSpPr/>
+        <p:nvPr/>
+      </p:nvGrpSpPr>
+      <p:grpSpPr>
+        <a:xfrm>
+          <a:off x="0" y="0"/>
+          <a:ext cx="0" cy="0"/>
+          <a:chOff x="0" y="0"/>
+          <a:chExt cx="0" cy="0"/>
+        </a:xfrm>
+      </p:grpSpPr>
+      <p:sp>
+        <p:nvSpPr>
+          <p:cNvPr id="2" name="Slide Image Placeholder 1"/>
+          <p:cNvSpPr>
+            <a:spLocks noGrp="1" noRot="1" noChangeAspect="1"/>
+          </p:cNvSpPr>
+          <p:nvPr>
+            <p:ph type="sldImg"/>
+          </p:nvPr>
+        </p:nvSpPr>
+        <p:spPr/>
+      </p:sp>
+      <p:sp>
+        <p:nvSpPr>
+          <p:cNvPr id="3" name="Notes Placeholder 2"/>
+          <p:cNvSpPr>
+            <a:spLocks noGrp="1"/>
+          </p:cNvSpPr>
+          <p:nvPr>
+            <p:ph type="body" idx="1"/>
+          </p:nvPr>
+        </p:nvSpPr>
+        <p:spPr/>
+        <p:txBody>
+          <a:bodyPr/>
+          <a:lstStyle/>
+          <a:p>
+            <a:endParaRPr lang="en-US" dirty="0"/>
+          </a:p>
+        </p:txBody>
+      </p:sp>
+      <p:sp>
+        <p:nvSpPr>
+          <p:cNvPr id="4" name="Footer Placeholder 3"/>
+          <p:cNvSpPr>
+            <a:spLocks noGrp="1"/>
+          </p:cNvSpPr>
+          <p:nvPr>
+            <p:ph type="ftr" sz="quarter" idx="10"/>
+          </p:nvPr>
+        </p:nvSpPr>
+        <p:spPr/>
+        <p:txBody>
+          <a:bodyPr/>
+          <a:lstStyle/>
+          <a:p>
+            <a:pPr>
+              <a:defRPr/>
+            </a:pPr>
+            <a:r>
+              <a:rPr lang="en-US" smtClean="0"/>
+              <a:t>1</a:t>
+            </a:r>
+            <a:endParaRPr lang="en-US"/>
+          </a:p>
+        </p:txBody>
+      </p:sp>
+      <p:sp>
+        <p:nvSpPr>
+          <p:cNvPr id="5" name="Slide Number Placeholder 4"/>
+          <p:cNvSpPr>
+            <a:spLocks noGrp="1"/>
+          </p:cNvSpPr>
+          <p:nvPr>
+            <p:ph type="sldNum" sz="quarter" idx="11"/>
+          </p:nvPr>
+        </p:nvSpPr>
+        <p:spPr/>
+        <p:txBody>
+          <a:bodyPr/>
+          <a:lstStyle/>
+          <a:p>
+            <a:pPr>
+              <a:defRPr/>
+            </a:pPr>
+            <a:fld id="{0D9FA070-4CD9-4787-B05B-21C4CF28B3DD}" type="slidenum">
+              <a:rPr lang="en-US" smtClean="0"/>
+              <a:pPr>
+                <a:defRPr/>
+              </a:pPr>
+              <a:t>34</a:t>
+            </a:fld>
+            <a:endParaRPr lang="en-US"/>
+          </a:p>
+        </p:txBody>
+      </p:sp>
+    </p:spTree>
+    <p:extLst>
+      <p:ext uri="{BB962C8B-B14F-4D97-AF65-F5344CB8AC3E}">
+        <p14:creationId xmlns:p14="http://schemas.microsoft.com/office/powerpoint/2010/main" val="801641485"/>
+      </p:ext>
+    </p:extLst>
+  </p:cSld>
+  <p:clrMapOvr>
+    <a:masterClrMapping/>
+  </p:clrMapOvr>
+</p:notes>
 </file>
 
 <file path=ppt/slideLayouts/slideLayout1.xml><?xml version="1.0" encoding="utf-8"?>
@@ -4028,13 +4263,8 @@
           <a:p>
             <a:r>
               <a:rPr lang="en-US" dirty="0" smtClean="0"/>
-              <a:t>For the first clustering, the following attributes were </a:t>
-            </a:r>
-            <a:r>
-              <a:rPr lang="en-US" dirty="0" smtClean="0"/>
-              <a:t>pre-computed:</a:t>
-            </a:r>
-            <a:endParaRPr lang="en-US" dirty="0" smtClean="0"/>
+              <a:t>For the first clustering, the following attributes were pre-computed:</a:t>
+            </a:r>
           </a:p>
           <a:p>
             <a:pPr lvl="1"/>
@@ -4054,23 +4284,7 @@
             <a:pPr lvl="1"/>
             <a:r>
               <a:rPr lang="en-US" dirty="0" smtClean="0"/>
-              <a:t>Payments: the monthly </a:t>
-            </a:r>
-            <a:r>
-              <a:rPr lang="en-US" dirty="0" smtClean="0"/>
-              <a:t>amount of </a:t>
-            </a:r>
-            <a:r>
-              <a:rPr lang="en-US" dirty="0" smtClean="0"/>
-              <a:t>loan </a:t>
-            </a:r>
-            <a:r>
-              <a:rPr lang="en-US" dirty="0" smtClean="0"/>
-              <a:t>payments made </a:t>
-            </a:r>
-            <a:r>
-              <a:rPr lang="en-US" dirty="0" smtClean="0"/>
-              <a:t>by each client;</a:t>
+              <a:t>Payments: the monthly amount of loan payments made by each client;</a:t>
             </a:r>
           </a:p>
           <a:p>
@@ -4179,7 +4393,7 @@
           <a:graphicData uri="http://schemas.openxmlformats.org/presentationml/2006/ole">
             <mc:AlternateContent xmlns:mc="http://schemas.openxmlformats.org/markup-compatibility/2006">
               <mc:Choice xmlns:v="urn:schemas-microsoft-com:vml" Requires="v">
-                <p:oleObj spid="_x0000_s1035" name="Worksheet" r:id="rId3" imgW="4610100" imgH="1231900" progId="Excel.Sheet.12">
+                <p:oleObj spid="_x0000_s1041" name="Worksheet" r:id="rId3" imgW="4610100" imgH="1231900" progId="Excel.Sheet.12">
                   <p:embed/>
                 </p:oleObj>
               </mc:Choice>
@@ -4293,7 +4507,6 @@
               <a:rPr lang="en-US" dirty="0" smtClean="0"/>
               <a:t>With this clustering process, the goal was to segment clients according to their assets and liabilities. </a:t>
             </a:r>
-            <a:endParaRPr lang="en-US" dirty="0" smtClean="0"/>
           </a:p>
           <a:p>
             <a:r>
@@ -6124,11 +6337,7 @@
           <a:p>
             <a:r>
               <a:rPr lang="en-US" dirty="0" smtClean="0"/>
-              <a:t>With this clustering process, the goal was to segment clients according to geo-demographic data</a:t>
-            </a:r>
-            <a:r>
-              <a:rPr lang="en-US" dirty="0" smtClean="0"/>
-              <a:t>.</a:t>
+              <a:t>With this clustering process, the goal was to segment clients according to geo-demographic data.</a:t>
             </a:r>
           </a:p>
           <a:p>
@@ -6622,7 +6831,7 @@
           <a:p>
             <a:r>
               <a:rPr lang="en-US" dirty="0" smtClean="0"/>
-              <a:t>Classification algorithms</a:t>
+              <a:t>Decision Tree</a:t>
             </a:r>
             <a:endParaRPr lang="en-US" dirty="0"/>
           </a:p>
@@ -6645,29 +6854,21 @@
           <a:p>
             <a:r>
               <a:rPr lang="en-US" dirty="0" smtClean="0"/>
-              <a:t>For the predictive analysis task, two algorithms were used:</a:t>
-            </a:r>
-          </a:p>
-          <a:p>
-            <a:pPr lvl="1"/>
-            <a:r>
-              <a:rPr lang="en-US" dirty="0" smtClean="0"/>
-              <a:t>Decision trees;</a:t>
-            </a:r>
-          </a:p>
-          <a:p>
-            <a:pPr lvl="1"/>
-            <a:r>
-              <a:rPr lang="en-US" dirty="0" smtClean="0"/>
-              <a:t>Naïve </a:t>
+              <a:t>Given the small dataset, there is a great danger of </a:t>
             </a:r>
             <a:r>
               <a:rPr lang="en-US" dirty="0" err="1" smtClean="0"/>
-              <a:t>bayes</a:t>
-            </a:r>
-            <a:r>
-              <a:rPr lang="en-US" dirty="0"/>
-              <a:t>.</a:t>
+              <a:t>overfitting</a:t>
+            </a:r>
+            <a:r>
+              <a:rPr lang="en-US" dirty="0" smtClean="0"/>
+              <a:t> the data.</a:t>
+            </a:r>
+          </a:p>
+          <a:p>
+            <a:r>
+              <a:rPr lang="en-US" dirty="0" smtClean="0"/>
+              <a:t>In order to mitigate the risk, the decision tree was pre-pruned, thus reducing the complexity of the final classifier.</a:t>
             </a:r>
           </a:p>
         </p:txBody>
@@ -6675,7 +6876,7 @@
     </p:spTree>
     <p:extLst>
       <p:ext uri="{BB962C8B-B14F-4D97-AF65-F5344CB8AC3E}">
-        <p14:creationId xmlns:p14="http://schemas.microsoft.com/office/powerpoint/2010/main" val="629965087"/>
+        <p14:creationId xmlns:p14="http://schemas.microsoft.com/office/powerpoint/2010/main" val="652117702"/>
       </p:ext>
     </p:extLst>
   </p:cSld>
@@ -6749,21 +6950,78 @@
           <a:p>
             <a:r>
               <a:rPr lang="en-US" dirty="0" smtClean="0"/>
-              <a:t>Given the small dataset, there is a great danger of </a:t>
+              <a:t>In </a:t>
             </a:r>
             <a:r>
               <a:rPr lang="en-US" dirty="0" err="1" smtClean="0"/>
-              <a:t>overfitting</a:t>
-            </a:r>
-            <a:r>
-              <a:rPr lang="en-US" dirty="0" smtClean="0"/>
-              <a:t> the data.</a:t>
-            </a:r>
-          </a:p>
-          <a:p>
-            <a:r>
-              <a:rPr lang="en-US" dirty="0" smtClean="0"/>
-              <a:t>In order to mitigate the risk, the decision tree was pre-pruned, thus reducing the complexity of the final classifier.</a:t>
+              <a:t>RapidMiner</a:t>
+            </a:r>
+            <a:r>
+              <a:rPr lang="en-US" dirty="0" smtClean="0"/>
+              <a:t>:</a:t>
+            </a:r>
+          </a:p>
+          <a:p>
+            <a:pPr lvl="1"/>
+            <a:r>
+              <a:rPr lang="en-US" dirty="0" smtClean="0"/>
+              <a:t>The decision tree operator was used:</a:t>
+            </a:r>
+          </a:p>
+          <a:p>
+            <a:pPr lvl="2"/>
+            <a:r>
+              <a:rPr lang="en-US" dirty="0" smtClean="0"/>
+              <a:t>Criterion</a:t>
+            </a:r>
+            <a:r>
+              <a:rPr lang="en-US" dirty="0"/>
+              <a:t>: </a:t>
+            </a:r>
+            <a:r>
+              <a:rPr lang="en-US" i="1" dirty="0" err="1" smtClean="0"/>
+              <a:t>information_gain</a:t>
+            </a:r>
+            <a:r>
+              <a:rPr lang="en-US" i="1" dirty="0"/>
+              <a:t>;</a:t>
+            </a:r>
+            <a:endParaRPr lang="en-US" dirty="0" smtClean="0"/>
+          </a:p>
+          <a:p>
+            <a:pPr lvl="2"/>
+            <a:r>
+              <a:rPr lang="en-US" dirty="0" smtClean="0"/>
+              <a:t>Level of confidence set to 25%;</a:t>
+            </a:r>
+          </a:p>
+          <a:p>
+            <a:pPr lvl="2"/>
+            <a:r>
+              <a:rPr lang="en-US" dirty="0" smtClean="0"/>
+              <a:t>Applying pruning and </a:t>
+            </a:r>
+            <a:r>
+              <a:rPr lang="en-US" dirty="0" smtClean="0"/>
+              <a:t>pre-pruning</a:t>
+            </a:r>
+            <a:r>
+              <a:rPr lang="en-US" dirty="0" smtClean="0"/>
+              <a:t>;</a:t>
+            </a:r>
+          </a:p>
+          <a:p>
+            <a:pPr lvl="2"/>
+            <a:r>
+              <a:rPr lang="en-US" dirty="0" smtClean="0"/>
+              <a:t>Minimal gain set to 4%;</a:t>
+            </a:r>
+          </a:p>
+          <a:p>
+            <a:pPr lvl="2"/>
+            <a:r>
+              <a:rPr lang="en-US" dirty="0" smtClean="0"/>
+              <a:t>Maximal depth set to 6.</a:t>
             </a:r>
           </a:p>
         </p:txBody>
@@ -6771,7 +7029,7 @@
     </p:spTree>
     <p:extLst>
       <p:ext uri="{BB962C8B-B14F-4D97-AF65-F5344CB8AC3E}">
-        <p14:creationId xmlns:p14="http://schemas.microsoft.com/office/powerpoint/2010/main" val="652117702"/>
+        <p14:creationId xmlns:p14="http://schemas.microsoft.com/office/powerpoint/2010/main" val="1631348375"/>
       </p:ext>
     </p:extLst>
   </p:cSld>
@@ -6822,163 +7080,6 @@
           <a:p>
             <a:r>
               <a:rPr lang="en-US" dirty="0" smtClean="0"/>
-              <a:t>Decision Tree</a:t>
-            </a:r>
-            <a:endParaRPr lang="en-US" dirty="0"/>
-          </a:p>
-        </p:txBody>
-      </p:sp>
-      <p:sp>
-        <p:nvSpPr>
-          <p:cNvPr id="3" name="Content Placeholder 2"/>
-          <p:cNvSpPr>
-            <a:spLocks noGrp="1"/>
-          </p:cNvSpPr>
-          <p:nvPr>
-            <p:ph idx="1"/>
-          </p:nvPr>
-        </p:nvSpPr>
-        <p:spPr/>
-        <p:txBody>
-          <a:bodyPr/>
-          <a:lstStyle/>
-          <a:p>
-            <a:r>
-              <a:rPr lang="en-US" dirty="0" smtClean="0"/>
-              <a:t>In </a:t>
-            </a:r>
-            <a:r>
-              <a:rPr lang="en-US" dirty="0" err="1" smtClean="0"/>
-              <a:t>RapidMiner</a:t>
-            </a:r>
-            <a:r>
-              <a:rPr lang="en-US" dirty="0" smtClean="0"/>
-              <a:t>:</a:t>
-            </a:r>
-            <a:endParaRPr lang="en-US" dirty="0"/>
-          </a:p>
-          <a:p>
-            <a:pPr lvl="1"/>
-            <a:r>
-              <a:rPr lang="en-US" dirty="0" smtClean="0"/>
-              <a:t>The data was split using the split validation operator: 70% for training and 30% for testing.</a:t>
-            </a:r>
-          </a:p>
-          <a:p>
-            <a:pPr lvl="1"/>
-            <a:r>
-              <a:rPr lang="en-US" dirty="0" smtClean="0"/>
-              <a:t>The decision tree operator was used:</a:t>
-            </a:r>
-          </a:p>
-          <a:p>
-            <a:pPr lvl="2"/>
-            <a:r>
-              <a:rPr lang="en-US" dirty="0"/>
-              <a:t>Criterion: </a:t>
-            </a:r>
-            <a:r>
-              <a:rPr lang="en-US" i="1" dirty="0" err="1" smtClean="0"/>
-              <a:t>information_gain</a:t>
-            </a:r>
-            <a:r>
-              <a:rPr lang="en-US" i="1" dirty="0"/>
-              <a:t>;</a:t>
-            </a:r>
-            <a:endParaRPr lang="en-US" dirty="0" smtClean="0"/>
-          </a:p>
-          <a:p>
-            <a:pPr lvl="2"/>
-            <a:r>
-              <a:rPr lang="en-US" dirty="0" smtClean="0"/>
-              <a:t>Level of confidence set to 25%;</a:t>
-            </a:r>
-          </a:p>
-          <a:p>
-            <a:pPr lvl="2"/>
-            <a:r>
-              <a:rPr lang="en-US" dirty="0" smtClean="0"/>
-              <a:t>Applying pruning and </a:t>
-            </a:r>
-            <a:r>
-              <a:rPr lang="en-US" dirty="0" err="1" smtClean="0"/>
-              <a:t>prepruning</a:t>
-            </a:r>
-            <a:r>
-              <a:rPr lang="en-US" dirty="0" smtClean="0"/>
-              <a:t>;</a:t>
-            </a:r>
-          </a:p>
-          <a:p>
-            <a:pPr lvl="2"/>
-            <a:r>
-              <a:rPr lang="en-US" dirty="0" smtClean="0"/>
-              <a:t>Minimal gain set to 4%;</a:t>
-            </a:r>
-          </a:p>
-          <a:p>
-            <a:pPr lvl="2"/>
-            <a:r>
-              <a:rPr lang="en-US" dirty="0" smtClean="0"/>
-              <a:t>Maximal depth set to 6.</a:t>
-            </a:r>
-          </a:p>
-        </p:txBody>
-      </p:sp>
-    </p:spTree>
-    <p:extLst>
-      <p:ext uri="{BB962C8B-B14F-4D97-AF65-F5344CB8AC3E}">
-        <p14:creationId xmlns:p14="http://schemas.microsoft.com/office/powerpoint/2010/main" val="1631348375"/>
-      </p:ext>
-    </p:extLst>
-  </p:cSld>
-  <p:clrMapOvr>
-    <a:masterClrMapping/>
-  </p:clrMapOvr>
-  <p:timing>
-    <p:tnLst>
-      <p:par>
-        <p:cTn id="1" dur="indefinite" restart="never" nodeType="tmRoot"/>
-      </p:par>
-    </p:tnLst>
-  </p:timing>
-</p:sld>
-</file>
-
-<file path=ppt/slides/slide24.xml><?xml version="1.0" encoding="utf-8"?>
-<p:sld xmlns:a="http://schemas.openxmlformats.org/drawingml/2006/main" xmlns:r="http://schemas.openxmlformats.org/officeDocument/2006/relationships" xmlns:p="http://schemas.openxmlformats.org/presentationml/2006/main">
-  <p:cSld>
-    <p:spTree>
-      <p:nvGrpSpPr>
-        <p:cNvPr id="1" name=""/>
-        <p:cNvGrpSpPr/>
-        <p:nvPr/>
-      </p:nvGrpSpPr>
-      <p:grpSpPr>
-        <a:xfrm>
-          <a:off x="0" y="0"/>
-          <a:ext cx="0" cy="0"/>
-          <a:chOff x="0" y="0"/>
-          <a:chExt cx="0" cy="0"/>
-        </a:xfrm>
-      </p:grpSpPr>
-      <p:sp>
-        <p:nvSpPr>
-          <p:cNvPr id="2" name="Title 1"/>
-          <p:cNvSpPr>
-            <a:spLocks noGrp="1"/>
-          </p:cNvSpPr>
-          <p:nvPr>
-            <p:ph type="title"/>
-          </p:nvPr>
-        </p:nvSpPr>
-        <p:spPr/>
-        <p:txBody>
-          <a:bodyPr/>
-          <a:lstStyle/>
-          <a:p>
-            <a:r>
-              <a:rPr lang="en-US" dirty="0" smtClean="0"/>
               <a:t>Decision Tree model</a:t>
             </a:r>
             <a:endParaRPr lang="en-US" dirty="0"/>
@@ -7108,7 +7209,7 @@
 </p:sld>
 </file>
 
-<file path=ppt/slides/slide25.xml><?xml version="1.0" encoding="utf-8"?>
+<file path=ppt/slides/slide24.xml><?xml version="1.0" encoding="utf-8"?>
 <p:sld xmlns:a="http://schemas.openxmlformats.org/drawingml/2006/main" xmlns:r="http://schemas.openxmlformats.org/officeDocument/2006/relationships" xmlns:p="http://schemas.openxmlformats.org/presentationml/2006/main">
   <p:cSld>
     <p:spTree>
@@ -7197,7 +7298,7 @@
 </p:sld>
 </file>
 
-<file path=ppt/slides/slide26.xml><?xml version="1.0" encoding="utf-8"?>
+<file path=ppt/slides/slide25.xml><?xml version="1.0" encoding="utf-8"?>
 <p:sld xmlns:a="http://schemas.openxmlformats.org/drawingml/2006/main" xmlns:r="http://schemas.openxmlformats.org/officeDocument/2006/relationships" xmlns:p="http://schemas.openxmlformats.org/presentationml/2006/main">
   <p:cSld>
     <p:spTree>
@@ -7273,11 +7374,202 @@
         </p:blipFill>
         <p:spPr>
           <a:xfrm>
-            <a:off x="1562100" y="2743200"/>
+            <a:off x="1562100" y="2589503"/>
             <a:ext cx="6019800" cy="997710"/>
           </a:xfrm>
         </p:spPr>
       </p:pic>
+      <p:sp>
+        <p:nvSpPr>
+          <p:cNvPr id="4" name="Content Placeholder 2"/>
+          <p:cNvSpPr txBox="1">
+            <a:spLocks/>
+          </p:cNvSpPr>
+          <p:nvPr/>
+        </p:nvSpPr>
+        <p:spPr>
+          <a:xfrm>
+            <a:off x="457200" y="990600"/>
+            <a:ext cx="8229600" cy="5135563"/>
+          </a:xfrm>
+          <a:prstGeom prst="rect">
+            <a:avLst/>
+          </a:prstGeom>
+        </p:spPr>
+        <p:txBody>
+          <a:bodyPr vert="horz" lIns="91440" tIns="45720" rIns="91440" bIns="45720" rtlCol="0">
+            <a:normAutofit/>
+          </a:bodyPr>
+          <a:lstStyle>
+            <a:lvl1pPr marL="342900" indent="-342900" algn="l" defTabSz="914400" rtl="0" eaLnBrk="1" latinLnBrk="0" hangingPunct="1">
+              <a:spcBef>
+                <a:spcPct val="20000"/>
+              </a:spcBef>
+              <a:buFont typeface="Arial" pitchFamily="34" charset="0"/>
+              <a:buChar char="•"/>
+              <a:defRPr sz="2400" kern="1200">
+                <a:solidFill>
+                  <a:schemeClr val="tx1"/>
+                </a:solidFill>
+                <a:latin typeface="+mn-lt"/>
+                <a:ea typeface="+mn-ea"/>
+                <a:cs typeface="+mn-cs"/>
+              </a:defRPr>
+            </a:lvl1pPr>
+            <a:lvl2pPr marL="742950" indent="-285750" algn="l" defTabSz="914400" rtl="0" eaLnBrk="1" latinLnBrk="0" hangingPunct="1">
+              <a:spcBef>
+                <a:spcPct val="20000"/>
+              </a:spcBef>
+              <a:buFont typeface="Arial" pitchFamily="34" charset="0"/>
+              <a:buChar char="–"/>
+              <a:defRPr sz="2000" kern="1200">
+                <a:solidFill>
+                  <a:schemeClr val="tx1"/>
+                </a:solidFill>
+                <a:latin typeface="+mn-lt"/>
+                <a:ea typeface="+mn-ea"/>
+                <a:cs typeface="+mn-cs"/>
+              </a:defRPr>
+            </a:lvl2pPr>
+            <a:lvl3pPr marL="1143000" indent="-228600" algn="l" defTabSz="914400" rtl="0" eaLnBrk="1" latinLnBrk="0" hangingPunct="1">
+              <a:spcBef>
+                <a:spcPct val="20000"/>
+              </a:spcBef>
+              <a:buFont typeface="Arial" pitchFamily="34" charset="0"/>
+              <a:buChar char="•"/>
+              <a:defRPr sz="1800" kern="1200">
+                <a:solidFill>
+                  <a:schemeClr val="tx1"/>
+                </a:solidFill>
+                <a:latin typeface="+mn-lt"/>
+                <a:ea typeface="+mn-ea"/>
+                <a:cs typeface="+mn-cs"/>
+              </a:defRPr>
+            </a:lvl3pPr>
+            <a:lvl4pPr marL="1600200" indent="-228600" algn="l" defTabSz="914400" rtl="0" eaLnBrk="1" latinLnBrk="0" hangingPunct="1">
+              <a:spcBef>
+                <a:spcPct val="20000"/>
+              </a:spcBef>
+              <a:buFont typeface="Arial" pitchFamily="34" charset="0"/>
+              <a:buChar char="–"/>
+              <a:defRPr sz="1600" kern="1200">
+                <a:solidFill>
+                  <a:schemeClr val="tx1"/>
+                </a:solidFill>
+                <a:latin typeface="+mn-lt"/>
+                <a:ea typeface="+mn-ea"/>
+                <a:cs typeface="+mn-cs"/>
+              </a:defRPr>
+            </a:lvl4pPr>
+            <a:lvl5pPr marL="2057400" indent="-228600" algn="l" defTabSz="914400" rtl="0" eaLnBrk="1" latinLnBrk="0" hangingPunct="1">
+              <a:spcBef>
+                <a:spcPct val="20000"/>
+              </a:spcBef>
+              <a:buFont typeface="Arial" pitchFamily="34" charset="0"/>
+              <a:buChar char="»"/>
+              <a:defRPr sz="1600" kern="1200">
+                <a:solidFill>
+                  <a:schemeClr val="tx1"/>
+                </a:solidFill>
+                <a:latin typeface="+mn-lt"/>
+                <a:ea typeface="+mn-ea"/>
+                <a:cs typeface="+mn-cs"/>
+              </a:defRPr>
+            </a:lvl5pPr>
+            <a:lvl6pPr marL="2514600" indent="-228600" algn="l" defTabSz="914400" rtl="0" eaLnBrk="1" latinLnBrk="0" hangingPunct="1">
+              <a:spcBef>
+                <a:spcPct val="20000"/>
+              </a:spcBef>
+              <a:buFont typeface="Arial" pitchFamily="34" charset="0"/>
+              <a:buChar char="•"/>
+              <a:defRPr sz="2000" kern="1200">
+                <a:solidFill>
+                  <a:schemeClr val="tx1"/>
+                </a:solidFill>
+                <a:latin typeface="+mn-lt"/>
+                <a:ea typeface="+mn-ea"/>
+                <a:cs typeface="+mn-cs"/>
+              </a:defRPr>
+            </a:lvl6pPr>
+            <a:lvl7pPr marL="2971800" indent="-228600" algn="l" defTabSz="914400" rtl="0" eaLnBrk="1" latinLnBrk="0" hangingPunct="1">
+              <a:spcBef>
+                <a:spcPct val="20000"/>
+              </a:spcBef>
+              <a:buFont typeface="Arial" pitchFamily="34" charset="0"/>
+              <a:buChar char="•"/>
+              <a:defRPr sz="2000" kern="1200">
+                <a:solidFill>
+                  <a:schemeClr val="tx1"/>
+                </a:solidFill>
+                <a:latin typeface="+mn-lt"/>
+                <a:ea typeface="+mn-ea"/>
+                <a:cs typeface="+mn-cs"/>
+              </a:defRPr>
+            </a:lvl7pPr>
+            <a:lvl8pPr marL="3429000" indent="-228600" algn="l" defTabSz="914400" rtl="0" eaLnBrk="1" latinLnBrk="0" hangingPunct="1">
+              <a:spcBef>
+                <a:spcPct val="20000"/>
+              </a:spcBef>
+              <a:buFont typeface="Arial" pitchFamily="34" charset="0"/>
+              <a:buChar char="•"/>
+              <a:defRPr sz="2000" kern="1200">
+                <a:solidFill>
+                  <a:schemeClr val="tx1"/>
+                </a:solidFill>
+                <a:latin typeface="+mn-lt"/>
+                <a:ea typeface="+mn-ea"/>
+                <a:cs typeface="+mn-cs"/>
+              </a:defRPr>
+            </a:lvl8pPr>
+            <a:lvl9pPr marL="3886200" indent="-228600" algn="l" defTabSz="914400" rtl="0" eaLnBrk="1" latinLnBrk="0" hangingPunct="1">
+              <a:spcBef>
+                <a:spcPct val="20000"/>
+              </a:spcBef>
+              <a:buFont typeface="Arial" pitchFamily="34" charset="0"/>
+              <a:buChar char="•"/>
+              <a:defRPr sz="2000" kern="1200">
+                <a:solidFill>
+                  <a:schemeClr val="tx1"/>
+                </a:solidFill>
+                <a:latin typeface="+mn-lt"/>
+                <a:ea typeface="+mn-ea"/>
+                <a:cs typeface="+mn-cs"/>
+              </a:defRPr>
+            </a:lvl9pPr>
+          </a:lstStyle>
+          <a:p>
+            <a:pPr fontAlgn="auto">
+              <a:spcAft>
+                <a:spcPts val="0"/>
+              </a:spcAft>
+            </a:pPr>
+            <a:r>
+              <a:rPr lang="en-US" smtClean="0"/>
+              <a:t>Using the </a:t>
+            </a:r>
+            <a:r>
+              <a:rPr lang="en-US" dirty="0" err="1" smtClean="0"/>
+              <a:t>Rapidminer</a:t>
+            </a:r>
+            <a:r>
+              <a:rPr lang="en-US" dirty="0" smtClean="0"/>
+              <a:t> ‘x-validation’ operator (cross validation):</a:t>
+            </a:r>
+          </a:p>
+          <a:p>
+            <a:pPr lvl="1" fontAlgn="auto">
+              <a:spcAft>
+                <a:spcPts val="0"/>
+              </a:spcAft>
+            </a:pPr>
+            <a:r>
+              <a:rPr lang="en-US" dirty="0" smtClean="0"/>
+              <a:t>Number of validations: 15.</a:t>
+            </a:r>
+            <a:endParaRPr lang="en-US" dirty="0" smtClean="0"/>
+          </a:p>
+        </p:txBody>
+      </p:sp>
     </p:spTree>
     <p:extLst>
       <p:ext uri="{BB962C8B-B14F-4D97-AF65-F5344CB8AC3E}">
@@ -7298,7 +7590,7 @@
 </p:sld>
 </file>
 
-<file path=ppt/slides/slide27.xml><?xml version="1.0" encoding="utf-8"?>
+<file path=ppt/slides/slide26.xml><?xml version="1.0" encoding="utf-8"?>
 <p:sld xmlns:a="http://schemas.openxmlformats.org/drawingml/2006/main" xmlns:r="http://schemas.openxmlformats.org/officeDocument/2006/relationships" xmlns:p="http://schemas.openxmlformats.org/presentationml/2006/main">
   <p:cSld>
     <p:spTree>
@@ -7380,13 +7672,6 @@
             <a:r>
               <a:rPr lang="en-US" dirty="0"/>
               <a:t>:</a:t>
-            </a:r>
-          </a:p>
-          <a:p>
-            <a:pPr lvl="1"/>
-            <a:r>
-              <a:rPr lang="en-US" dirty="0"/>
-              <a:t>The data was split using the split validation operator: 70% for training and 30% for testing.</a:t>
             </a:r>
           </a:p>
           <a:p>
@@ -7441,7 +7726,7 @@
 </p:sld>
 </file>
 
-<file path=ppt/slides/slide28.xml><?xml version="1.0" encoding="utf-8"?>
+<file path=ppt/slides/slide27.xml><?xml version="1.0" encoding="utf-8"?>
 <p:sld xmlns:a="http://schemas.openxmlformats.org/drawingml/2006/main" xmlns:r="http://schemas.openxmlformats.org/officeDocument/2006/relationships" xmlns:p="http://schemas.openxmlformats.org/presentationml/2006/main">
   <p:cSld>
     <p:spTree>
@@ -7530,7 +7815,7 @@
 </p:sld>
 </file>
 
-<file path=ppt/slides/slide29.xml><?xml version="1.0" encoding="utf-8"?>
+<file path=ppt/slides/slide28.xml><?xml version="1.0" encoding="utf-8"?>
 <p:sld xmlns:a="http://schemas.openxmlformats.org/drawingml/2006/main" xmlns:r="http://schemas.openxmlformats.org/officeDocument/2006/relationships" xmlns:p="http://schemas.openxmlformats.org/presentationml/2006/main">
   <p:cSld>
     <p:spTree>
@@ -7603,6 +7888,286 @@
     <p:extLst>
       <p:ext uri="{BB962C8B-B14F-4D97-AF65-F5344CB8AC3E}">
         <p14:creationId xmlns:p14="http://schemas.microsoft.com/office/powerpoint/2010/main" val="1650831760"/>
+      </p:ext>
+    </p:extLst>
+  </p:cSld>
+  <p:clrMapOvr>
+    <a:masterClrMapping/>
+  </p:clrMapOvr>
+  <p:timing>
+    <p:tnLst>
+      <p:par>
+        <p:cTn id="1" dur="indefinite" restart="never" nodeType="tmRoot"/>
+      </p:par>
+    </p:tnLst>
+  </p:timing>
+</p:sld>
+</file>
+
+<file path=ppt/slides/slide29.xml><?xml version="1.0" encoding="utf-8"?>
+<p:sld xmlns:a="http://schemas.openxmlformats.org/drawingml/2006/main" xmlns:r="http://schemas.openxmlformats.org/officeDocument/2006/relationships" xmlns:p="http://schemas.openxmlformats.org/presentationml/2006/main">
+  <p:cSld>
+    <p:spTree>
+      <p:nvGrpSpPr>
+        <p:cNvPr id="1" name=""/>
+        <p:cNvGrpSpPr/>
+        <p:nvPr/>
+      </p:nvGrpSpPr>
+      <p:grpSpPr>
+        <a:xfrm>
+          <a:off x="0" y="0"/>
+          <a:ext cx="0" cy="0"/>
+          <a:chOff x="0" y="0"/>
+          <a:chExt cx="0" cy="0"/>
+        </a:xfrm>
+      </p:grpSpPr>
+      <p:sp>
+        <p:nvSpPr>
+          <p:cNvPr id="2" name="Title 1"/>
+          <p:cNvSpPr>
+            <a:spLocks noGrp="1"/>
+          </p:cNvSpPr>
+          <p:nvPr>
+            <p:ph type="title"/>
+          </p:nvPr>
+        </p:nvSpPr>
+        <p:spPr/>
+        <p:txBody>
+          <a:bodyPr/>
+          <a:lstStyle/>
+          <a:p>
+            <a:r>
+              <a:rPr lang="en-US" dirty="0" smtClean="0"/>
+              <a:t>Naïve Bayes model: evaluation</a:t>
+            </a:r>
+            <a:endParaRPr lang="en-US" dirty="0"/>
+          </a:p>
+        </p:txBody>
+      </p:sp>
+      <p:pic>
+        <p:nvPicPr>
+          <p:cNvPr id="5" name="Content Placeholder 4"/>
+          <p:cNvPicPr>
+            <a:picLocks noGrp="1" noChangeAspect="1"/>
+          </p:cNvPicPr>
+          <p:nvPr>
+            <p:ph idx="1"/>
+          </p:nvPr>
+        </p:nvPicPr>
+        <p:blipFill>
+          <a:blip r:embed="rId2">
+            <a:extLst>
+              <a:ext uri="{28A0092B-C50C-407E-A947-70E740481C1C}">
+                <a14:useLocalDpi xmlns:a14="http://schemas.microsoft.com/office/drawing/2010/main" val="0"/>
+              </a:ext>
+            </a:extLst>
+          </a:blip>
+          <a:stretch>
+            <a:fillRect/>
+          </a:stretch>
+        </p:blipFill>
+        <p:spPr>
+          <a:xfrm>
+            <a:off x="990600" y="2965632"/>
+            <a:ext cx="7162800" cy="1185498"/>
+          </a:xfrm>
+        </p:spPr>
+      </p:pic>
+      <p:sp>
+        <p:nvSpPr>
+          <p:cNvPr id="6" name="Content Placeholder 2"/>
+          <p:cNvSpPr txBox="1">
+            <a:spLocks/>
+          </p:cNvSpPr>
+          <p:nvPr/>
+        </p:nvSpPr>
+        <p:spPr>
+          <a:xfrm>
+            <a:off x="457200" y="990600"/>
+            <a:ext cx="8229600" cy="5135563"/>
+          </a:xfrm>
+          <a:prstGeom prst="rect">
+            <a:avLst/>
+          </a:prstGeom>
+        </p:spPr>
+        <p:txBody>
+          <a:bodyPr vert="horz" lIns="91440" tIns="45720" rIns="91440" bIns="45720" rtlCol="0">
+            <a:normAutofit/>
+          </a:bodyPr>
+          <a:lstStyle>
+            <a:lvl1pPr marL="342900" indent="-342900" algn="l" defTabSz="914400" rtl="0" eaLnBrk="1" latinLnBrk="0" hangingPunct="1">
+              <a:spcBef>
+                <a:spcPct val="20000"/>
+              </a:spcBef>
+              <a:buFont typeface="Arial" pitchFamily="34" charset="0"/>
+              <a:buChar char="•"/>
+              <a:defRPr sz="2400" kern="1200">
+                <a:solidFill>
+                  <a:schemeClr val="tx1"/>
+                </a:solidFill>
+                <a:latin typeface="+mn-lt"/>
+                <a:ea typeface="+mn-ea"/>
+                <a:cs typeface="+mn-cs"/>
+              </a:defRPr>
+            </a:lvl1pPr>
+            <a:lvl2pPr marL="742950" indent="-285750" algn="l" defTabSz="914400" rtl="0" eaLnBrk="1" latinLnBrk="0" hangingPunct="1">
+              <a:spcBef>
+                <a:spcPct val="20000"/>
+              </a:spcBef>
+              <a:buFont typeface="Arial" pitchFamily="34" charset="0"/>
+              <a:buChar char="–"/>
+              <a:defRPr sz="2000" kern="1200">
+                <a:solidFill>
+                  <a:schemeClr val="tx1"/>
+                </a:solidFill>
+                <a:latin typeface="+mn-lt"/>
+                <a:ea typeface="+mn-ea"/>
+                <a:cs typeface="+mn-cs"/>
+              </a:defRPr>
+            </a:lvl2pPr>
+            <a:lvl3pPr marL="1143000" indent="-228600" algn="l" defTabSz="914400" rtl="0" eaLnBrk="1" latinLnBrk="0" hangingPunct="1">
+              <a:spcBef>
+                <a:spcPct val="20000"/>
+              </a:spcBef>
+              <a:buFont typeface="Arial" pitchFamily="34" charset="0"/>
+              <a:buChar char="•"/>
+              <a:defRPr sz="1800" kern="1200">
+                <a:solidFill>
+                  <a:schemeClr val="tx1"/>
+                </a:solidFill>
+                <a:latin typeface="+mn-lt"/>
+                <a:ea typeface="+mn-ea"/>
+                <a:cs typeface="+mn-cs"/>
+              </a:defRPr>
+            </a:lvl3pPr>
+            <a:lvl4pPr marL="1600200" indent="-228600" algn="l" defTabSz="914400" rtl="0" eaLnBrk="1" latinLnBrk="0" hangingPunct="1">
+              <a:spcBef>
+                <a:spcPct val="20000"/>
+              </a:spcBef>
+              <a:buFont typeface="Arial" pitchFamily="34" charset="0"/>
+              <a:buChar char="–"/>
+              <a:defRPr sz="1600" kern="1200">
+                <a:solidFill>
+                  <a:schemeClr val="tx1"/>
+                </a:solidFill>
+                <a:latin typeface="+mn-lt"/>
+                <a:ea typeface="+mn-ea"/>
+                <a:cs typeface="+mn-cs"/>
+              </a:defRPr>
+            </a:lvl4pPr>
+            <a:lvl5pPr marL="2057400" indent="-228600" algn="l" defTabSz="914400" rtl="0" eaLnBrk="1" latinLnBrk="0" hangingPunct="1">
+              <a:spcBef>
+                <a:spcPct val="20000"/>
+              </a:spcBef>
+              <a:buFont typeface="Arial" pitchFamily="34" charset="0"/>
+              <a:buChar char="»"/>
+              <a:defRPr sz="1600" kern="1200">
+                <a:solidFill>
+                  <a:schemeClr val="tx1"/>
+                </a:solidFill>
+                <a:latin typeface="+mn-lt"/>
+                <a:ea typeface="+mn-ea"/>
+                <a:cs typeface="+mn-cs"/>
+              </a:defRPr>
+            </a:lvl5pPr>
+            <a:lvl6pPr marL="2514600" indent="-228600" algn="l" defTabSz="914400" rtl="0" eaLnBrk="1" latinLnBrk="0" hangingPunct="1">
+              <a:spcBef>
+                <a:spcPct val="20000"/>
+              </a:spcBef>
+              <a:buFont typeface="Arial" pitchFamily="34" charset="0"/>
+              <a:buChar char="•"/>
+              <a:defRPr sz="2000" kern="1200">
+                <a:solidFill>
+                  <a:schemeClr val="tx1"/>
+                </a:solidFill>
+                <a:latin typeface="+mn-lt"/>
+                <a:ea typeface="+mn-ea"/>
+                <a:cs typeface="+mn-cs"/>
+              </a:defRPr>
+            </a:lvl6pPr>
+            <a:lvl7pPr marL="2971800" indent="-228600" algn="l" defTabSz="914400" rtl="0" eaLnBrk="1" latinLnBrk="0" hangingPunct="1">
+              <a:spcBef>
+                <a:spcPct val="20000"/>
+              </a:spcBef>
+              <a:buFont typeface="Arial" pitchFamily="34" charset="0"/>
+              <a:buChar char="•"/>
+              <a:defRPr sz="2000" kern="1200">
+                <a:solidFill>
+                  <a:schemeClr val="tx1"/>
+                </a:solidFill>
+                <a:latin typeface="+mn-lt"/>
+                <a:ea typeface="+mn-ea"/>
+                <a:cs typeface="+mn-cs"/>
+              </a:defRPr>
+            </a:lvl7pPr>
+            <a:lvl8pPr marL="3429000" indent="-228600" algn="l" defTabSz="914400" rtl="0" eaLnBrk="1" latinLnBrk="0" hangingPunct="1">
+              <a:spcBef>
+                <a:spcPct val="20000"/>
+              </a:spcBef>
+              <a:buFont typeface="Arial" pitchFamily="34" charset="0"/>
+              <a:buChar char="•"/>
+              <a:defRPr sz="2000" kern="1200">
+                <a:solidFill>
+                  <a:schemeClr val="tx1"/>
+                </a:solidFill>
+                <a:latin typeface="+mn-lt"/>
+                <a:ea typeface="+mn-ea"/>
+                <a:cs typeface="+mn-cs"/>
+              </a:defRPr>
+            </a:lvl8pPr>
+            <a:lvl9pPr marL="3886200" indent="-228600" algn="l" defTabSz="914400" rtl="0" eaLnBrk="1" latinLnBrk="0" hangingPunct="1">
+              <a:spcBef>
+                <a:spcPct val="20000"/>
+              </a:spcBef>
+              <a:buFont typeface="Arial" pitchFamily="34" charset="0"/>
+              <a:buChar char="•"/>
+              <a:defRPr sz="2000" kern="1200">
+                <a:solidFill>
+                  <a:schemeClr val="tx1"/>
+                </a:solidFill>
+                <a:latin typeface="+mn-lt"/>
+                <a:ea typeface="+mn-ea"/>
+                <a:cs typeface="+mn-cs"/>
+              </a:defRPr>
+            </a:lvl9pPr>
+          </a:lstStyle>
+          <a:p>
+            <a:pPr fontAlgn="auto">
+              <a:spcAft>
+                <a:spcPts val="0"/>
+              </a:spcAft>
+            </a:pPr>
+            <a:r>
+              <a:rPr lang="en-US" smtClean="0"/>
+              <a:t>Using the </a:t>
+            </a:r>
+            <a:r>
+              <a:rPr lang="en-US" dirty="0" err="1" smtClean="0"/>
+              <a:t>Rapidminer</a:t>
+            </a:r>
+            <a:r>
+              <a:rPr lang="en-US" dirty="0" smtClean="0"/>
+              <a:t> ‘x-validation’ operator (cross validation):</a:t>
+            </a:r>
+          </a:p>
+          <a:p>
+            <a:pPr lvl="1" fontAlgn="auto">
+              <a:spcAft>
+                <a:spcPts val="0"/>
+              </a:spcAft>
+            </a:pPr>
+            <a:r>
+              <a:rPr lang="en-US" dirty="0" smtClean="0"/>
+              <a:t>Number of validations: 15.</a:t>
+            </a:r>
+            <a:endParaRPr lang="en-US" dirty="0" smtClean="0"/>
+          </a:p>
+        </p:txBody>
+      </p:sp>
+    </p:spTree>
+    <p:extLst>
+      <p:ext uri="{BB962C8B-B14F-4D97-AF65-F5344CB8AC3E}">
+        <p14:creationId xmlns:p14="http://schemas.microsoft.com/office/powerpoint/2010/main" val="445536628"/>
       </p:ext>
     </p:extLst>
   </p:cSld>
@@ -7754,58 +8319,104 @@
           <a:p>
             <a:r>
               <a:rPr lang="en-US" dirty="0" smtClean="0"/>
-              <a:t>Naïve Bayes model: evaluation</a:t>
+              <a:t>Neural Net model</a:t>
             </a:r>
             <a:endParaRPr lang="en-US" dirty="0"/>
           </a:p>
         </p:txBody>
       </p:sp>
-      <p:pic>
-        <p:nvPicPr>
-          <p:cNvPr id="5" name="Content Placeholder 4"/>
-          <p:cNvPicPr>
-            <a:picLocks noGrp="1" noChangeAspect="1"/>
-          </p:cNvPicPr>
+      <p:sp>
+        <p:nvSpPr>
+          <p:cNvPr id="3" name="Content Placeholder 2"/>
+          <p:cNvSpPr>
+            <a:spLocks noGrp="1"/>
+          </p:cNvSpPr>
           <p:nvPr>
             <p:ph idx="1"/>
           </p:nvPr>
-        </p:nvPicPr>
-        <p:blipFill>
-          <a:blip r:embed="rId2">
-            <a:extLst>
-              <a:ext uri="{28A0092B-C50C-407E-A947-70E740481C1C}">
-                <a14:useLocalDpi xmlns:a14="http://schemas.microsoft.com/office/drawing/2010/main" val="0"/>
-              </a:ext>
-            </a:extLst>
-          </a:blip>
-          <a:stretch>
-            <a:fillRect/>
-          </a:stretch>
-        </p:blipFill>
-        <p:spPr>
-          <a:xfrm>
-            <a:off x="990600" y="2743200"/>
-            <a:ext cx="7162800" cy="1185498"/>
-          </a:xfrm>
-        </p:spPr>
-      </p:pic>
+        </p:nvSpPr>
+        <p:spPr/>
+        <p:txBody>
+          <a:bodyPr/>
+          <a:lstStyle/>
+          <a:p>
+            <a:r>
+              <a:rPr lang="en-US" dirty="0" smtClean="0"/>
+              <a:t>Using the </a:t>
+            </a:r>
+            <a:r>
+              <a:rPr lang="en-US" dirty="0" err="1" smtClean="0"/>
+              <a:t>Rapidminer</a:t>
+            </a:r>
+            <a:r>
+              <a:rPr lang="en-US" dirty="0" smtClean="0"/>
+              <a:t> ‘Neural Net’ operator:</a:t>
+            </a:r>
+          </a:p>
+          <a:p>
+            <a:pPr lvl="1"/>
+            <a:r>
+              <a:rPr lang="en-US" dirty="0" smtClean="0"/>
+              <a:t>Training cycles: 500;</a:t>
+            </a:r>
+          </a:p>
+          <a:p>
+            <a:pPr lvl="1"/>
+            <a:r>
+              <a:rPr lang="en-US" dirty="0" smtClean="0"/>
+              <a:t>Learning rate: 0.3;</a:t>
+            </a:r>
+          </a:p>
+          <a:p>
+            <a:pPr lvl="1"/>
+            <a:r>
+              <a:rPr lang="en-US" dirty="0" smtClean="0"/>
+              <a:t>Momentum: 0.3;</a:t>
+            </a:r>
+          </a:p>
+          <a:p>
+            <a:pPr lvl="1"/>
+            <a:r>
+              <a:rPr lang="en-US" dirty="0" smtClean="0"/>
+              <a:t>Shuffle: true;</a:t>
+            </a:r>
+          </a:p>
+          <a:p>
+            <a:pPr lvl="1"/>
+            <a:r>
+              <a:rPr lang="en-US" dirty="0" smtClean="0"/>
+              <a:t>Normalize: true.</a:t>
+            </a:r>
+          </a:p>
+          <a:p>
+            <a:r>
+              <a:rPr lang="en-US" dirty="0"/>
+              <a:t>The following relations were joined: Client, Account, Loan, Disposition and Transactions</a:t>
+            </a:r>
+            <a:r>
+              <a:rPr lang="en-US" dirty="0" smtClean="0"/>
+              <a:t>.</a:t>
+            </a:r>
+          </a:p>
+          <a:p>
+            <a:endParaRPr lang="en-US" dirty="0"/>
+          </a:p>
+          <a:p>
+            <a:pPr lvl="1"/>
+            <a:endParaRPr lang="en-US" dirty="0"/>
+          </a:p>
+        </p:txBody>
+      </p:sp>
     </p:spTree>
     <p:extLst>
       <p:ext uri="{BB962C8B-B14F-4D97-AF65-F5344CB8AC3E}">
-        <p14:creationId xmlns:p14="http://schemas.microsoft.com/office/powerpoint/2010/main" val="445536628"/>
+        <p14:creationId xmlns:p14="http://schemas.microsoft.com/office/powerpoint/2010/main" val="1567141649"/>
       </p:ext>
     </p:extLst>
   </p:cSld>
   <p:clrMapOvr>
     <a:masterClrMapping/>
   </p:clrMapOvr>
-  <p:timing>
-    <p:tnLst>
-      <p:par>
-        <p:cTn id="1" dur="indefinite" restart="never" nodeType="tmRoot"/>
-      </p:par>
-    </p:tnLst>
-  </p:timing>
 </p:sld>
 </file>
 
@@ -7843,7 +8454,148 @@
           <a:p>
             <a:r>
               <a:rPr lang="en-US" dirty="0" smtClean="0"/>
-              <a:t>Conclusions and future work</a:t>
+              <a:t>Neural Net model</a:t>
+            </a:r>
+            <a:endParaRPr lang="en-US" dirty="0"/>
+          </a:p>
+        </p:txBody>
+      </p:sp>
+      <p:pic>
+        <p:nvPicPr>
+          <p:cNvPr id="5" name="Content Placeholder 4"/>
+          <p:cNvPicPr>
+            <a:picLocks noGrp="1" noChangeAspect="1"/>
+          </p:cNvPicPr>
+          <p:nvPr>
+            <p:ph idx="1"/>
+          </p:nvPr>
+        </p:nvPicPr>
+        <p:blipFill>
+          <a:blip r:embed="rId2">
+            <a:extLst>
+              <a:ext uri="{28A0092B-C50C-407E-A947-70E740481C1C}">
+                <a14:useLocalDpi xmlns:a14="http://schemas.microsoft.com/office/drawing/2010/main" val="0"/>
+              </a:ext>
+            </a:extLst>
+          </a:blip>
+          <a:stretch>
+            <a:fillRect/>
+          </a:stretch>
+        </p:blipFill>
+        <p:spPr>
+          <a:xfrm>
+            <a:off x="1752600" y="1600200"/>
+            <a:ext cx="4381500" cy="3454400"/>
+          </a:xfrm>
+        </p:spPr>
+      </p:pic>
+      <p:pic>
+        <p:nvPicPr>
+          <p:cNvPr id="6" name="Picture 5"/>
+          <p:cNvPicPr>
+            <a:picLocks noChangeAspect="1"/>
+          </p:cNvPicPr>
+          <p:nvPr/>
+        </p:nvPicPr>
+        <p:blipFill rotWithShape="1">
+          <a:blip r:embed="rId3">
+            <a:extLst>
+              <a:ext uri="{28A0092B-C50C-407E-A947-70E740481C1C}">
+                <a14:useLocalDpi xmlns:a14="http://schemas.microsoft.com/office/drawing/2010/main" val="0"/>
+              </a:ext>
+            </a:extLst>
+          </a:blip>
+          <a:srcRect l="2285" r="-585"/>
+          <a:stretch/>
+        </p:blipFill>
+        <p:spPr>
+          <a:xfrm>
+            <a:off x="5867400" y="1447800"/>
+            <a:ext cx="1548000" cy="1549400"/>
+          </a:xfrm>
+          <a:prstGeom prst="rect">
+            <a:avLst/>
+          </a:prstGeom>
+        </p:spPr>
+      </p:pic>
+      <p:pic>
+        <p:nvPicPr>
+          <p:cNvPr id="7" name="Picture 6"/>
+          <p:cNvPicPr>
+            <a:picLocks noChangeAspect="1"/>
+          </p:cNvPicPr>
+          <p:nvPr/>
+        </p:nvPicPr>
+        <p:blipFill>
+          <a:blip r:embed="rId4">
+            <a:extLst>
+              <a:ext uri="{28A0092B-C50C-407E-A947-70E740481C1C}">
+                <a14:useLocalDpi xmlns:a14="http://schemas.microsoft.com/office/drawing/2010/main" val="0"/>
+              </a:ext>
+            </a:extLst>
+          </a:blip>
+          <a:stretch>
+            <a:fillRect/>
+          </a:stretch>
+        </p:blipFill>
+        <p:spPr>
+          <a:xfrm>
+            <a:off x="5867400" y="3492500"/>
+            <a:ext cx="1651000" cy="1562100"/>
+          </a:xfrm>
+          <a:prstGeom prst="rect">
+            <a:avLst/>
+          </a:prstGeom>
+        </p:spPr>
+      </p:pic>
+    </p:spTree>
+    <p:extLst>
+      <p:ext uri="{BB962C8B-B14F-4D97-AF65-F5344CB8AC3E}">
+        <p14:creationId xmlns:p14="http://schemas.microsoft.com/office/powerpoint/2010/main" val="484529886"/>
+      </p:ext>
+    </p:extLst>
+  </p:cSld>
+  <p:clrMapOvr>
+    <a:masterClrMapping/>
+  </p:clrMapOvr>
+</p:sld>
+</file>
+
+<file path=ppt/slides/slide32.xml><?xml version="1.0" encoding="utf-8"?>
+<p:sld xmlns:a="http://schemas.openxmlformats.org/drawingml/2006/main" xmlns:r="http://schemas.openxmlformats.org/officeDocument/2006/relationships" xmlns:p="http://schemas.openxmlformats.org/presentationml/2006/main">
+  <p:cSld>
+    <p:spTree>
+      <p:nvGrpSpPr>
+        <p:cNvPr id="1" name=""/>
+        <p:cNvGrpSpPr/>
+        <p:nvPr/>
+      </p:nvGrpSpPr>
+      <p:grpSpPr>
+        <a:xfrm>
+          <a:off x="0" y="0"/>
+          <a:ext cx="0" cy="0"/>
+          <a:chOff x="0" y="0"/>
+          <a:chExt cx="0" cy="0"/>
+        </a:xfrm>
+      </p:grpSpPr>
+      <p:sp>
+        <p:nvSpPr>
+          <p:cNvPr id="2" name="Title 1"/>
+          <p:cNvSpPr>
+            <a:spLocks noGrp="1"/>
+          </p:cNvSpPr>
+          <p:nvPr>
+            <p:ph type="title"/>
+          </p:nvPr>
+        </p:nvSpPr>
+        <p:spPr/>
+        <p:txBody>
+          <a:bodyPr/>
+          <a:lstStyle/>
+          <a:p>
+            <a:r>
+              <a:rPr lang="en-US" dirty="0" smtClean="0"/>
+              <a:t>Neural Net Model: Evaluation</a:t>
             </a:r>
             <a:endParaRPr lang="en-US" dirty="0"/>
           </a:p>
@@ -7866,29 +8618,308 @@
           <a:p>
             <a:r>
               <a:rPr lang="en-US" dirty="0" smtClean="0"/>
-              <a:t>In the context of the descriptive data mining task, clients were segmented according to geo-demographic data and assets and liabilities. Both behavioristic and life stage segmentations were not performed due to lack of data. </a:t>
-            </a:r>
-          </a:p>
-          <a:p>
-            <a:r>
-              <a:rPr lang="en-US" dirty="0" smtClean="0"/>
-              <a:t>In the context of the predictive data mining task, the Decision Tree model has a bigger accuracy when compared to the Naïve Bayes model. However, given the reduced dimension of the dataset, the risk of the </a:t>
+              <a:t>Using the </a:t>
             </a:r>
             <a:r>
               <a:rPr lang="en-US" dirty="0" err="1" smtClean="0"/>
-              <a:t>overfitting</a:t>
-            </a:r>
-            <a:r>
-              <a:rPr lang="en-US" dirty="0" smtClean="0"/>
-              <a:t> in the Decision Tree model is considerable.</a:t>
+              <a:t>Rapidminer</a:t>
+            </a:r>
+            <a:r>
+              <a:rPr lang="en-US" dirty="0" smtClean="0"/>
+              <a:t> ‘x-validation’ operator (cross validation):</a:t>
+            </a:r>
+          </a:p>
+          <a:p>
+            <a:pPr lvl="1"/>
+            <a:r>
+              <a:rPr lang="en-US" dirty="0" smtClean="0"/>
+              <a:t>Number of validations: 15.</a:t>
             </a:r>
           </a:p>
         </p:txBody>
       </p:sp>
+      <p:pic>
+        <p:nvPicPr>
+          <p:cNvPr id="4" name="Picture 3"/>
+          <p:cNvPicPr>
+            <a:picLocks noChangeAspect="1"/>
+          </p:cNvPicPr>
+          <p:nvPr/>
+        </p:nvPicPr>
+        <p:blipFill>
+          <a:blip r:embed="rId3">
+            <a:extLst>
+              <a:ext uri="{28A0092B-C50C-407E-A947-70E740481C1C}">
+                <a14:useLocalDpi xmlns:a14="http://schemas.microsoft.com/office/drawing/2010/main" val="0"/>
+              </a:ext>
+            </a:extLst>
+          </a:blip>
+          <a:stretch>
+            <a:fillRect/>
+          </a:stretch>
+        </p:blipFill>
+        <p:spPr>
+          <a:xfrm>
+            <a:off x="1371600" y="2783999"/>
+            <a:ext cx="6400800" cy="753787"/>
+          </a:xfrm>
+          <a:prstGeom prst="rect">
+            <a:avLst/>
+          </a:prstGeom>
+        </p:spPr>
+      </p:pic>
+      <p:pic>
+        <p:nvPicPr>
+          <p:cNvPr id="5" name="Picture 4"/>
+          <p:cNvPicPr>
+            <a:picLocks noChangeAspect="1"/>
+          </p:cNvPicPr>
+          <p:nvPr/>
+        </p:nvPicPr>
+        <p:blipFill>
+          <a:blip r:embed="rId4">
+            <a:extLst>
+              <a:ext uri="{28A0092B-C50C-407E-A947-70E740481C1C}">
+                <a14:useLocalDpi xmlns:a14="http://schemas.microsoft.com/office/drawing/2010/main" val="0"/>
+              </a:ext>
+            </a:extLst>
+          </a:blip>
+          <a:stretch>
+            <a:fillRect/>
+          </a:stretch>
+        </p:blipFill>
+        <p:spPr>
+          <a:xfrm>
+            <a:off x="1371600" y="3776778"/>
+            <a:ext cx="6400800" cy="229969"/>
+          </a:xfrm>
+          <a:prstGeom prst="rect">
+            <a:avLst/>
+          </a:prstGeom>
+        </p:spPr>
+      </p:pic>
     </p:spTree>
     <p:extLst>
       <p:ext uri="{BB962C8B-B14F-4D97-AF65-F5344CB8AC3E}">
-        <p14:creationId xmlns:p14="http://schemas.microsoft.com/office/powerpoint/2010/main" val="1260731084"/>
+        <p14:creationId xmlns:p14="http://schemas.microsoft.com/office/powerpoint/2010/main" val="1408802634"/>
+      </p:ext>
+    </p:extLst>
+  </p:cSld>
+  <p:clrMapOvr>
+    <a:masterClrMapping/>
+  </p:clrMapOvr>
+</p:sld>
+</file>
+
+<file path=ppt/slides/slide33.xml><?xml version="1.0" encoding="utf-8"?>
+<p:sld xmlns:a="http://schemas.openxmlformats.org/drawingml/2006/main" xmlns:r="http://schemas.openxmlformats.org/officeDocument/2006/relationships" xmlns:p="http://schemas.openxmlformats.org/presentationml/2006/main">
+  <p:cSld>
+    <p:spTree>
+      <p:nvGrpSpPr>
+        <p:cNvPr id="1" name=""/>
+        <p:cNvGrpSpPr/>
+        <p:nvPr/>
+      </p:nvGrpSpPr>
+      <p:grpSpPr>
+        <a:xfrm>
+          <a:off x="0" y="0"/>
+          <a:ext cx="0" cy="0"/>
+          <a:chOff x="0" y="0"/>
+          <a:chExt cx="0" cy="0"/>
+        </a:xfrm>
+      </p:grpSpPr>
+      <p:sp>
+        <p:nvSpPr>
+          <p:cNvPr id="2" name="Title 1"/>
+          <p:cNvSpPr>
+            <a:spLocks noGrp="1"/>
+          </p:cNvSpPr>
+          <p:nvPr>
+            <p:ph type="title"/>
+          </p:nvPr>
+        </p:nvSpPr>
+        <p:spPr/>
+        <p:txBody>
+          <a:bodyPr/>
+          <a:lstStyle/>
+          <a:p>
+            <a:r>
+              <a:rPr lang="en-US" dirty="0" smtClean="0"/>
+              <a:t>Conclusions and future work</a:t>
+            </a:r>
+            <a:endParaRPr lang="en-US" dirty="0"/>
+          </a:p>
+        </p:txBody>
+      </p:sp>
+      <p:sp>
+        <p:nvSpPr>
+          <p:cNvPr id="3" name="Content Placeholder 2"/>
+          <p:cNvSpPr>
+            <a:spLocks noGrp="1"/>
+          </p:cNvSpPr>
+          <p:nvPr>
+            <p:ph idx="1"/>
+          </p:nvPr>
+        </p:nvSpPr>
+        <p:spPr/>
+        <p:txBody>
+          <a:bodyPr/>
+          <a:lstStyle/>
+          <a:p>
+            <a:r>
+              <a:rPr lang="en-US" dirty="0"/>
+              <a:t>The data set example has a strong </a:t>
+            </a:r>
+            <a:r>
+              <a:rPr lang="en-US" i="1" dirty="0"/>
+              <a:t>class imbalance,</a:t>
+            </a:r>
+            <a:r>
+              <a:rPr lang="en-US" dirty="0"/>
+              <a:t> which can mislead some classification </a:t>
+            </a:r>
+            <a:r>
+              <a:rPr lang="en-US" dirty="0" smtClean="0"/>
+              <a:t>algorithms presented. There are two possible solutions:</a:t>
+            </a:r>
+          </a:p>
+          <a:p>
+            <a:pPr lvl="1"/>
+            <a:r>
+              <a:rPr lang="en-US" dirty="0" smtClean="0"/>
+              <a:t>Sampling of the input data;</a:t>
+            </a:r>
+          </a:p>
+          <a:p>
+            <a:pPr lvl="1"/>
+            <a:r>
+              <a:rPr lang="en-US" dirty="0" smtClean="0"/>
+              <a:t>Collection of new data.</a:t>
+            </a:r>
+            <a:endParaRPr lang="en-US" dirty="0"/>
+          </a:p>
+          <a:p>
+            <a:r>
+              <a:rPr lang="en-US" dirty="0" smtClean="0"/>
+              <a:t>Apply more predictive data mining algorithms for the creation of new models: </a:t>
+            </a:r>
+          </a:p>
+          <a:p>
+            <a:pPr lvl="1"/>
+            <a:r>
+              <a:rPr lang="en-US" dirty="0" smtClean="0"/>
+              <a:t>Nearest Neighbor;</a:t>
+            </a:r>
+          </a:p>
+          <a:p>
+            <a:pPr lvl="1"/>
+            <a:r>
+              <a:rPr lang="en-US" dirty="0" smtClean="0"/>
+              <a:t>Support Vector Machines;</a:t>
+            </a:r>
+          </a:p>
+          <a:p>
+            <a:pPr lvl="1"/>
+            <a:r>
+              <a:rPr lang="en-US" dirty="0"/>
+              <a:t>E</a:t>
+            </a:r>
+            <a:r>
+              <a:rPr lang="en-US" dirty="0" smtClean="0"/>
+              <a:t>nsemble methods.</a:t>
+            </a:r>
+          </a:p>
+        </p:txBody>
+      </p:sp>
+    </p:spTree>
+    <p:extLst>
+      <p:ext uri="{BB962C8B-B14F-4D97-AF65-F5344CB8AC3E}">
+        <p14:creationId xmlns:p14="http://schemas.microsoft.com/office/powerpoint/2010/main" val="180510591"/>
+      </p:ext>
+    </p:extLst>
+  </p:cSld>
+  <p:clrMapOvr>
+    <a:masterClrMapping/>
+  </p:clrMapOvr>
+  <p:timing>
+    <p:tnLst>
+      <p:par>
+        <p:cTn id="1" dur="indefinite" restart="never" nodeType="tmRoot"/>
+      </p:par>
+    </p:tnLst>
+  </p:timing>
+</p:sld>
+</file>
+
+<file path=ppt/slides/slide34.xml><?xml version="1.0" encoding="utf-8"?>
+<p:sld xmlns:a="http://schemas.openxmlformats.org/drawingml/2006/main" xmlns:r="http://schemas.openxmlformats.org/officeDocument/2006/relationships" xmlns:p="http://schemas.openxmlformats.org/presentationml/2006/main">
+  <p:cSld>
+    <p:spTree>
+      <p:nvGrpSpPr>
+        <p:cNvPr id="1" name=""/>
+        <p:cNvGrpSpPr/>
+        <p:nvPr/>
+      </p:nvGrpSpPr>
+      <p:grpSpPr>
+        <a:xfrm>
+          <a:off x="0" y="0"/>
+          <a:ext cx="0" cy="0"/>
+          <a:chOff x="0" y="0"/>
+          <a:chExt cx="0" cy="0"/>
+        </a:xfrm>
+      </p:grpSpPr>
+      <p:sp>
+        <p:nvSpPr>
+          <p:cNvPr id="2" name="Title 1"/>
+          <p:cNvSpPr>
+            <a:spLocks noGrp="1"/>
+          </p:cNvSpPr>
+          <p:nvPr>
+            <p:ph type="title"/>
+          </p:nvPr>
+        </p:nvSpPr>
+        <p:spPr/>
+        <p:txBody>
+          <a:bodyPr/>
+          <a:lstStyle/>
+          <a:p>
+            <a:r>
+              <a:rPr lang="en-US" dirty="0" smtClean="0"/>
+              <a:t>Conclusions and future work</a:t>
+            </a:r>
+            <a:endParaRPr lang="en-US" dirty="0"/>
+          </a:p>
+        </p:txBody>
+      </p:sp>
+      <p:sp>
+        <p:nvSpPr>
+          <p:cNvPr id="3" name="Content Placeholder 2"/>
+          <p:cNvSpPr>
+            <a:spLocks noGrp="1"/>
+          </p:cNvSpPr>
+          <p:nvPr>
+            <p:ph idx="1"/>
+          </p:nvPr>
+        </p:nvSpPr>
+        <p:spPr/>
+        <p:txBody>
+          <a:bodyPr/>
+          <a:lstStyle/>
+          <a:p>
+            <a:r>
+              <a:rPr lang="en-US" dirty="0" smtClean="0"/>
+              <a:t>Empirical validation of the predictive models in a real world scenario is essential.</a:t>
+            </a:r>
+          </a:p>
+          <a:p>
+            <a:endParaRPr lang="en-US" dirty="0"/>
+          </a:p>
+        </p:txBody>
+      </p:sp>
+    </p:spTree>
+    <p:extLst>
+      <p:ext uri="{BB962C8B-B14F-4D97-AF65-F5344CB8AC3E}">
+        <p14:creationId xmlns:p14="http://schemas.microsoft.com/office/powerpoint/2010/main" val="368186090"/>
       </p:ext>
     </p:extLst>
   </p:cSld>
